--- a/README.pptx
+++ b/README.pptx
@@ -6,7 +6,16 @@
   </p:sldMasterIdLst>
   <p:sldIdLst>
     <p:sldId id="256" r:id="rId2"/>
-    <p:sldId id="257" r:id="rId3"/>
+    <p:sldId id="264" r:id="rId3"/>
+    <p:sldId id="257" r:id="rId4"/>
+    <p:sldId id="258" r:id="rId5"/>
+    <p:sldId id="259" r:id="rId6"/>
+    <p:sldId id="260" r:id="rId7"/>
+    <p:sldId id="261" r:id="rId8"/>
+    <p:sldId id="262" r:id="rId9"/>
+    <p:sldId id="263" r:id="rId10"/>
+    <p:sldId id="266" r:id="rId11"/>
+    <p:sldId id="265" r:id="rId12"/>
   </p:sldIdLst>
   <p:sldSz cx="12192000" cy="6858000"/>
   <p:notesSz cx="6858000" cy="9144000"/>
@@ -105,6 +114,11 @@
       </a:defRPr>
     </a:lvl9pPr>
   </p:defaultTextStyle>
+  <p:extLst>
+    <p:ext uri="{EFAFB233-063F-42B5-8137-9DF3F51BA10A}">
+      <p15:sldGuideLst xmlns:p15="http://schemas.microsoft.com/office/powerpoint/2012/main"/>
+    </p:ext>
+  </p:extLst>
 </p:presentation>
 </file>
 
@@ -3028,6 +3042,592 @@
 </p:sld>
 </file>
 
+<file path=ppt/slides/slide10.xml><?xml version="1.0" encoding="utf-8"?>
+<p:sld xmlns:a="http://schemas.openxmlformats.org/drawingml/2006/main" xmlns:r="http://schemas.openxmlformats.org/officeDocument/2006/relationships" xmlns:p="http://schemas.openxmlformats.org/presentationml/2006/main">
+  <p:cSld>
+    <p:spTree>
+      <p:nvGrpSpPr>
+        <p:cNvPr id="1" name=""/>
+        <p:cNvGrpSpPr/>
+        <p:nvPr/>
+      </p:nvGrpSpPr>
+      <p:grpSpPr>
+        <a:xfrm>
+          <a:off x="0" y="0"/>
+          <a:ext cx="0" cy="0"/>
+          <a:chOff x="0" y="0"/>
+          <a:chExt cx="0" cy="0"/>
+        </a:xfrm>
+      </p:grpSpPr>
+      <p:pic>
+        <p:nvPicPr>
+          <p:cNvPr id="3" name="Picture 2"/>
+          <p:cNvPicPr>
+            <a:picLocks noChangeAspect="1"/>
+          </p:cNvPicPr>
+          <p:nvPr/>
+        </p:nvPicPr>
+        <p:blipFill>
+          <a:blip r:embed="rId2"/>
+          <a:stretch>
+            <a:fillRect/>
+          </a:stretch>
+        </p:blipFill>
+        <p:spPr>
+          <a:xfrm>
+            <a:off x="528258" y="1497393"/>
+            <a:ext cx="10220608" cy="2032580"/>
+          </a:xfrm>
+          <a:prstGeom prst="rect">
+            <a:avLst/>
+          </a:prstGeom>
+        </p:spPr>
+      </p:pic>
+      <p:sp>
+        <p:nvSpPr>
+          <p:cNvPr id="2" name="Title 1"/>
+          <p:cNvSpPr>
+            <a:spLocks noGrp="1"/>
+          </p:cNvSpPr>
+          <p:nvPr>
+            <p:ph type="title"/>
+          </p:nvPr>
+        </p:nvSpPr>
+        <p:spPr/>
+        <p:txBody>
+          <a:bodyPr/>
+          <a:lstStyle/>
+          <a:p>
+            <a:r>
+              <a:rPr lang="en-US" dirty="0" smtClean="0"/>
+              <a:t>Basic Usage: </a:t>
+            </a:r>
+            <a:endParaRPr lang="en-US" dirty="0"/>
+          </a:p>
+        </p:txBody>
+      </p:sp>
+      <p:sp>
+        <p:nvSpPr>
+          <p:cNvPr id="13" name="Left Arrow 12"/>
+          <p:cNvSpPr/>
+          <p:nvPr/>
+        </p:nvSpPr>
+        <p:spPr>
+          <a:xfrm rot="1261261">
+            <a:off x="3618142" y="3069941"/>
+            <a:ext cx="1803597" cy="322712"/>
+          </a:xfrm>
+          <a:prstGeom prst="leftArrow">
+            <a:avLst/>
+          </a:prstGeom>
+        </p:spPr>
+        <p:style>
+          <a:lnRef idx="2">
+            <a:schemeClr val="accent4">
+              <a:shade val="50000"/>
+            </a:schemeClr>
+          </a:lnRef>
+          <a:fillRef idx="1">
+            <a:schemeClr val="accent4"/>
+          </a:fillRef>
+          <a:effectRef idx="0">
+            <a:schemeClr val="accent4"/>
+          </a:effectRef>
+          <a:fontRef idx="minor">
+            <a:schemeClr val="lt1"/>
+          </a:fontRef>
+        </p:style>
+        <p:txBody>
+          <a:bodyPr rtlCol="0" anchor="ctr"/>
+          <a:lstStyle/>
+          <a:p>
+            <a:pPr algn="ctr"/>
+            <a:endParaRPr lang="en-US"/>
+          </a:p>
+        </p:txBody>
+      </p:sp>
+      <p:sp>
+        <p:nvSpPr>
+          <p:cNvPr id="14" name="Rounded Rectangle 13"/>
+          <p:cNvSpPr/>
+          <p:nvPr/>
+        </p:nvSpPr>
+        <p:spPr>
+          <a:xfrm>
+            <a:off x="4962229" y="2822956"/>
+            <a:ext cx="3122005" cy="2067887"/>
+          </a:xfrm>
+          <a:prstGeom prst="roundRect">
+            <a:avLst/>
+          </a:prstGeom>
+          <a:ln>
+            <a:noFill/>
+          </a:ln>
+        </p:spPr>
+        <p:style>
+          <a:lnRef idx="2">
+            <a:schemeClr val="accent4">
+              <a:shade val="50000"/>
+            </a:schemeClr>
+          </a:lnRef>
+          <a:fillRef idx="1">
+            <a:schemeClr val="accent4"/>
+          </a:fillRef>
+          <a:effectRef idx="0">
+            <a:schemeClr val="accent4"/>
+          </a:effectRef>
+          <a:fontRef idx="minor">
+            <a:schemeClr val="lt1"/>
+          </a:fontRef>
+        </p:style>
+        <p:txBody>
+          <a:bodyPr rtlCol="0" anchor="ctr"/>
+          <a:lstStyle/>
+          <a:p>
+            <a:pPr algn="ctr"/>
+            <a:endParaRPr lang="en-US"/>
+          </a:p>
+        </p:txBody>
+      </p:sp>
+      <p:sp>
+        <p:nvSpPr>
+          <p:cNvPr id="15" name="TextBox 14"/>
+          <p:cNvSpPr txBox="1"/>
+          <p:nvPr/>
+        </p:nvSpPr>
+        <p:spPr>
+          <a:xfrm>
+            <a:off x="5125385" y="2945463"/>
+            <a:ext cx="2877533" cy="1754326"/>
+          </a:xfrm>
+          <a:prstGeom prst="rect">
+            <a:avLst/>
+          </a:prstGeom>
+          <a:noFill/>
+        </p:spPr>
+        <p:txBody>
+          <a:bodyPr wrap="square" rtlCol="0">
+            <a:spAutoFit/>
+          </a:bodyPr>
+          <a:lstStyle/>
+          <a:p>
+            <a:r>
+              <a:rPr lang="en-US" dirty="0" smtClean="0"/>
+              <a:t>In your sample registration or lookup table, select the samples you want to link to a request. Copy the selection by pressing </a:t>
+            </a:r>
+            <a:r>
+              <a:rPr lang="en-US" b="1" dirty="0" err="1" smtClean="0"/>
+              <a:t>ctrl+c</a:t>
+            </a:r>
+            <a:r>
+              <a:rPr lang="en-US" dirty="0" smtClean="0"/>
+              <a:t> (win) or </a:t>
+            </a:r>
+            <a:r>
+              <a:rPr lang="en-US" b="1" dirty="0" err="1" smtClean="0"/>
+              <a:t>command+c</a:t>
+            </a:r>
+            <a:r>
+              <a:rPr lang="en-US" dirty="0" smtClean="0"/>
+              <a:t> (mac).</a:t>
+            </a:r>
+            <a:endParaRPr lang="en-US" dirty="0"/>
+          </a:p>
+        </p:txBody>
+      </p:sp>
+      <p:sp>
+        <p:nvSpPr>
+          <p:cNvPr id="16" name="Rectangle 15"/>
+          <p:cNvSpPr/>
+          <p:nvPr/>
+        </p:nvSpPr>
+        <p:spPr>
+          <a:xfrm>
+            <a:off x="1670179" y="2174033"/>
+            <a:ext cx="1950099" cy="1166326"/>
+          </a:xfrm>
+          <a:prstGeom prst="rect">
+            <a:avLst/>
+          </a:prstGeom>
+          <a:noFill/>
+          <a:ln w="38100">
+            <a:solidFill>
+              <a:srgbClr val="FF0000"/>
+            </a:solidFill>
+          </a:ln>
+        </p:spPr>
+        <p:style>
+          <a:lnRef idx="2">
+            <a:schemeClr val="accent1">
+              <a:shade val="50000"/>
+            </a:schemeClr>
+          </a:lnRef>
+          <a:fillRef idx="1">
+            <a:schemeClr val="accent1"/>
+          </a:fillRef>
+          <a:effectRef idx="0">
+            <a:schemeClr val="accent1"/>
+          </a:effectRef>
+          <a:fontRef idx="minor">
+            <a:schemeClr val="lt1"/>
+          </a:fontRef>
+        </p:style>
+        <p:txBody>
+          <a:bodyPr rtlCol="0" anchor="ctr"/>
+          <a:lstStyle/>
+          <a:p>
+            <a:pPr algn="ctr"/>
+            <a:endParaRPr lang="en-US"/>
+          </a:p>
+        </p:txBody>
+      </p:sp>
+      <p:sp>
+        <p:nvSpPr>
+          <p:cNvPr id="4" name="TextBox 3"/>
+          <p:cNvSpPr txBox="1"/>
+          <p:nvPr/>
+        </p:nvSpPr>
+        <p:spPr>
+          <a:xfrm>
+            <a:off x="1268964" y="5467738"/>
+            <a:ext cx="9731828" cy="646331"/>
+          </a:xfrm>
+          <a:prstGeom prst="rect">
+            <a:avLst/>
+          </a:prstGeom>
+          <a:noFill/>
+        </p:spPr>
+        <p:txBody>
+          <a:bodyPr wrap="square" rtlCol="0">
+            <a:spAutoFit/>
+          </a:bodyPr>
+          <a:lstStyle/>
+          <a:p>
+            <a:r>
+              <a:rPr lang="en-US" dirty="0" smtClean="0"/>
+              <a:t>Now that you have copied your selection. Press </a:t>
+            </a:r>
+            <a:r>
+              <a:rPr lang="en-US" b="1" dirty="0" err="1" smtClean="0"/>
+              <a:t>ctrl+c+b</a:t>
+            </a:r>
+            <a:r>
+              <a:rPr lang="en-US" dirty="0" smtClean="0"/>
+              <a:t> (win) or </a:t>
+            </a:r>
+            <a:r>
+              <a:rPr lang="en-US" b="1" dirty="0" err="1" smtClean="0"/>
+              <a:t>command+c+b</a:t>
+            </a:r>
+            <a:r>
+              <a:rPr lang="en-US" dirty="0" smtClean="0"/>
+              <a:t> (mac) to reformat the copied data in a way that the request registration table accepts.</a:t>
+            </a:r>
+            <a:endParaRPr lang="en-US" dirty="0"/>
+          </a:p>
+        </p:txBody>
+      </p:sp>
+    </p:spTree>
+    <p:extLst>
+      <p:ext uri="{BB962C8B-B14F-4D97-AF65-F5344CB8AC3E}">
+        <p14:creationId xmlns:p14="http://schemas.microsoft.com/office/powerpoint/2010/main" val="973491060"/>
+      </p:ext>
+    </p:extLst>
+  </p:cSld>
+  <p:clrMapOvr>
+    <a:masterClrMapping/>
+  </p:clrMapOvr>
+</p:sld>
+</file>
+
+<file path=ppt/slides/slide11.xml><?xml version="1.0" encoding="utf-8"?>
+<p:sld xmlns:a="http://schemas.openxmlformats.org/drawingml/2006/main" xmlns:r="http://schemas.openxmlformats.org/officeDocument/2006/relationships" xmlns:p="http://schemas.openxmlformats.org/presentationml/2006/main">
+  <p:cSld>
+    <p:spTree>
+      <p:nvGrpSpPr>
+        <p:cNvPr id="1" name=""/>
+        <p:cNvGrpSpPr/>
+        <p:nvPr/>
+      </p:nvGrpSpPr>
+      <p:grpSpPr>
+        <a:xfrm>
+          <a:off x="0" y="0"/>
+          <a:ext cx="0" cy="0"/>
+          <a:chOff x="0" y="0"/>
+          <a:chExt cx="0" cy="0"/>
+        </a:xfrm>
+      </p:grpSpPr>
+      <p:pic>
+        <p:nvPicPr>
+          <p:cNvPr id="6" name="Picture 5"/>
+          <p:cNvPicPr>
+            <a:picLocks noChangeAspect="1"/>
+          </p:cNvPicPr>
+          <p:nvPr/>
+        </p:nvPicPr>
+        <p:blipFill>
+          <a:blip r:embed="rId2"/>
+          <a:stretch>
+            <a:fillRect/>
+          </a:stretch>
+        </p:blipFill>
+        <p:spPr>
+          <a:xfrm>
+            <a:off x="234974" y="1500879"/>
+            <a:ext cx="11722052" cy="1847738"/>
+          </a:xfrm>
+          <a:prstGeom prst="rect">
+            <a:avLst/>
+          </a:prstGeom>
+        </p:spPr>
+      </p:pic>
+      <p:sp>
+        <p:nvSpPr>
+          <p:cNvPr id="2" name="Title 1"/>
+          <p:cNvSpPr>
+            <a:spLocks noGrp="1"/>
+          </p:cNvSpPr>
+          <p:nvPr>
+            <p:ph type="title"/>
+          </p:nvPr>
+        </p:nvSpPr>
+        <p:spPr/>
+        <p:txBody>
+          <a:bodyPr/>
+          <a:lstStyle/>
+          <a:p>
+            <a:r>
+              <a:rPr lang="en-US" dirty="0" smtClean="0"/>
+              <a:t>Basic Usage: </a:t>
+            </a:r>
+            <a:endParaRPr lang="en-US" dirty="0"/>
+          </a:p>
+        </p:txBody>
+      </p:sp>
+      <p:sp>
+        <p:nvSpPr>
+          <p:cNvPr id="13" name="Left Arrow 12"/>
+          <p:cNvSpPr/>
+          <p:nvPr/>
+        </p:nvSpPr>
+        <p:spPr>
+          <a:xfrm rot="7100954">
+            <a:off x="3809108" y="3984807"/>
+            <a:ext cx="1803597" cy="322712"/>
+          </a:xfrm>
+          <a:prstGeom prst="leftArrow">
+            <a:avLst/>
+          </a:prstGeom>
+        </p:spPr>
+        <p:style>
+          <a:lnRef idx="2">
+            <a:schemeClr val="accent4">
+              <a:shade val="50000"/>
+            </a:schemeClr>
+          </a:lnRef>
+          <a:fillRef idx="1">
+            <a:schemeClr val="accent4"/>
+          </a:fillRef>
+          <a:effectRef idx="0">
+            <a:schemeClr val="accent4"/>
+          </a:effectRef>
+          <a:fontRef idx="minor">
+            <a:schemeClr val="lt1"/>
+          </a:fontRef>
+        </p:style>
+        <p:txBody>
+          <a:bodyPr rtlCol="0" anchor="ctr"/>
+          <a:lstStyle/>
+          <a:p>
+            <a:pPr algn="ctr"/>
+            <a:endParaRPr lang="en-US"/>
+          </a:p>
+        </p:txBody>
+      </p:sp>
+      <p:sp>
+        <p:nvSpPr>
+          <p:cNvPr id="14" name="Rounded Rectangle 13"/>
+          <p:cNvSpPr/>
+          <p:nvPr/>
+        </p:nvSpPr>
+        <p:spPr>
+          <a:xfrm>
+            <a:off x="2453755" y="4084909"/>
+            <a:ext cx="3122005" cy="2067887"/>
+          </a:xfrm>
+          <a:prstGeom prst="roundRect">
+            <a:avLst/>
+          </a:prstGeom>
+          <a:ln>
+            <a:noFill/>
+          </a:ln>
+        </p:spPr>
+        <p:style>
+          <a:lnRef idx="2">
+            <a:schemeClr val="accent4">
+              <a:shade val="50000"/>
+            </a:schemeClr>
+          </a:lnRef>
+          <a:fillRef idx="1">
+            <a:schemeClr val="accent4"/>
+          </a:fillRef>
+          <a:effectRef idx="0">
+            <a:schemeClr val="accent4"/>
+          </a:effectRef>
+          <a:fontRef idx="minor">
+            <a:schemeClr val="lt1"/>
+          </a:fontRef>
+        </p:style>
+        <p:txBody>
+          <a:bodyPr rtlCol="0" anchor="ctr"/>
+          <a:lstStyle/>
+          <a:p>
+            <a:pPr algn="ctr"/>
+            <a:endParaRPr lang="en-US"/>
+          </a:p>
+        </p:txBody>
+      </p:sp>
+      <p:sp>
+        <p:nvSpPr>
+          <p:cNvPr id="15" name="TextBox 14"/>
+          <p:cNvSpPr txBox="1"/>
+          <p:nvPr/>
+        </p:nvSpPr>
+        <p:spPr>
+          <a:xfrm>
+            <a:off x="2616911" y="4207416"/>
+            <a:ext cx="2877533" cy="1754326"/>
+          </a:xfrm>
+          <a:prstGeom prst="rect">
+            <a:avLst/>
+          </a:prstGeom>
+          <a:noFill/>
+        </p:spPr>
+        <p:txBody>
+          <a:bodyPr wrap="square" rtlCol="0">
+            <a:spAutoFit/>
+          </a:bodyPr>
+          <a:lstStyle/>
+          <a:p>
+            <a:r>
+              <a:rPr lang="en-US" dirty="0" smtClean="0"/>
+              <a:t>In your request registration</a:t>
+            </a:r>
+          </a:p>
+          <a:p>
+            <a:r>
+              <a:rPr lang="en-US" dirty="0" smtClean="0"/>
+              <a:t>table, click the cell you want to past the samples into. Paste the selection by pressing </a:t>
+            </a:r>
+            <a:r>
+              <a:rPr lang="en-US" b="1" dirty="0" err="1" smtClean="0"/>
+              <a:t>ctrl+v</a:t>
+            </a:r>
+            <a:r>
+              <a:rPr lang="en-US" dirty="0" smtClean="0"/>
+              <a:t> (win) or </a:t>
+            </a:r>
+            <a:r>
+              <a:rPr lang="en-US" b="1" dirty="0" err="1" smtClean="0"/>
+              <a:t>command+v</a:t>
+            </a:r>
+            <a:r>
+              <a:rPr lang="en-US" dirty="0" smtClean="0"/>
+              <a:t> (mac).</a:t>
+            </a:r>
+            <a:endParaRPr lang="en-US" dirty="0"/>
+          </a:p>
+        </p:txBody>
+      </p:sp>
+      <p:sp>
+        <p:nvSpPr>
+          <p:cNvPr id="16" name="Rectangle 15"/>
+          <p:cNvSpPr/>
+          <p:nvPr/>
+        </p:nvSpPr>
+        <p:spPr>
+          <a:xfrm>
+            <a:off x="4749281" y="1724742"/>
+            <a:ext cx="1063689" cy="1453196"/>
+          </a:xfrm>
+          <a:prstGeom prst="rect">
+            <a:avLst/>
+          </a:prstGeom>
+          <a:noFill/>
+          <a:ln w="38100">
+            <a:solidFill>
+              <a:srgbClr val="FF0000"/>
+            </a:solidFill>
+          </a:ln>
+        </p:spPr>
+        <p:style>
+          <a:lnRef idx="2">
+            <a:schemeClr val="accent1">
+              <a:shade val="50000"/>
+            </a:schemeClr>
+          </a:lnRef>
+          <a:fillRef idx="1">
+            <a:schemeClr val="accent1"/>
+          </a:fillRef>
+          <a:effectRef idx="0">
+            <a:schemeClr val="accent1"/>
+          </a:effectRef>
+          <a:fontRef idx="minor">
+            <a:schemeClr val="lt1"/>
+          </a:fontRef>
+        </p:style>
+        <p:txBody>
+          <a:bodyPr rtlCol="0" anchor="ctr"/>
+          <a:lstStyle/>
+          <a:p>
+            <a:pPr algn="ctr"/>
+            <a:endParaRPr lang="en-US"/>
+          </a:p>
+        </p:txBody>
+      </p:sp>
+      <p:sp>
+        <p:nvSpPr>
+          <p:cNvPr id="7" name="TextBox 6"/>
+          <p:cNvSpPr txBox="1"/>
+          <p:nvPr/>
+        </p:nvSpPr>
+        <p:spPr>
+          <a:xfrm>
+            <a:off x="6204857" y="5728996"/>
+            <a:ext cx="4861249" cy="646331"/>
+          </a:xfrm>
+          <a:prstGeom prst="rect">
+            <a:avLst/>
+          </a:prstGeom>
+          <a:noFill/>
+        </p:spPr>
+        <p:txBody>
+          <a:bodyPr wrap="square" rtlCol="0">
+            <a:spAutoFit/>
+          </a:bodyPr>
+          <a:lstStyle/>
+          <a:p>
+            <a:r>
+              <a:rPr lang="en-US" dirty="0" smtClean="0"/>
+              <a:t>You have successfully linked your samples to a request.</a:t>
+            </a:r>
+            <a:endParaRPr lang="en-US" dirty="0"/>
+          </a:p>
+        </p:txBody>
+      </p:sp>
+    </p:spTree>
+    <p:extLst>
+      <p:ext uri="{BB962C8B-B14F-4D97-AF65-F5344CB8AC3E}">
+        <p14:creationId xmlns:p14="http://schemas.microsoft.com/office/powerpoint/2010/main" val="3157823755"/>
+      </p:ext>
+    </p:extLst>
+  </p:cSld>
+  <p:clrMapOvr>
+    <a:masterClrMapping/>
+  </p:clrMapOvr>
+</p:sld>
+</file>
+
 <file path=ppt/slides/slide2.xml><?xml version="1.0" encoding="utf-8"?>
 <p:sld xmlns:a="http://schemas.openxmlformats.org/drawingml/2006/main" xmlns:r="http://schemas.openxmlformats.org/officeDocument/2006/relationships" xmlns:p="http://schemas.openxmlformats.org/presentationml/2006/main">
   <p:cSld>
@@ -3062,7 +3662,7 @@
           <a:p>
             <a:r>
               <a:rPr lang="en-US" dirty="0" smtClean="0"/>
-              <a:t>Installing the Chrome Extension</a:t>
+              <a:t>Table of Contents</a:t>
             </a:r>
             <a:endParaRPr lang="en-US" dirty="0"/>
           </a:p>
@@ -3083,7 +3683,280 @@
           <a:bodyPr/>
           <a:lstStyle/>
           <a:p>
-            <a:endParaRPr lang="en-US"/>
+            <a:r>
+              <a:rPr lang="en-US" dirty="0" smtClean="0"/>
+              <a:t>Installation</a:t>
+            </a:r>
+          </a:p>
+          <a:p>
+            <a:pPr lvl="1"/>
+            <a:r>
+              <a:rPr lang="en-US" dirty="0" smtClean="0"/>
+              <a:t>Manual Installation</a:t>
+            </a:r>
+          </a:p>
+          <a:p>
+            <a:r>
+              <a:rPr lang="en-US" dirty="0" smtClean="0"/>
+              <a:t>User Guide</a:t>
+            </a:r>
+          </a:p>
+          <a:p>
+            <a:pPr lvl="1"/>
+            <a:r>
+              <a:rPr lang="en-US" dirty="0" smtClean="0"/>
+              <a:t>Basic usage</a:t>
+            </a:r>
+          </a:p>
+        </p:txBody>
+      </p:sp>
+    </p:spTree>
+    <p:extLst>
+      <p:ext uri="{BB962C8B-B14F-4D97-AF65-F5344CB8AC3E}">
+        <p14:creationId xmlns:p14="http://schemas.microsoft.com/office/powerpoint/2010/main" val="3910181399"/>
+      </p:ext>
+    </p:extLst>
+  </p:cSld>
+  <p:clrMapOvr>
+    <a:masterClrMapping/>
+  </p:clrMapOvr>
+</p:sld>
+</file>
+
+<file path=ppt/slides/slide3.xml><?xml version="1.0" encoding="utf-8"?>
+<p:sld xmlns:a="http://schemas.openxmlformats.org/drawingml/2006/main" xmlns:r="http://schemas.openxmlformats.org/officeDocument/2006/relationships" xmlns:p="http://schemas.openxmlformats.org/presentationml/2006/main">
+  <p:cSld>
+    <p:spTree>
+      <p:nvGrpSpPr>
+        <p:cNvPr id="1" name=""/>
+        <p:cNvGrpSpPr/>
+        <p:nvPr/>
+      </p:nvGrpSpPr>
+      <p:grpSpPr>
+        <a:xfrm>
+          <a:off x="0" y="0"/>
+          <a:ext cx="0" cy="0"/>
+          <a:chOff x="0" y="0"/>
+          <a:chExt cx="0" cy="0"/>
+        </a:xfrm>
+      </p:grpSpPr>
+      <p:sp>
+        <p:nvSpPr>
+          <p:cNvPr id="2" name="Title 1"/>
+          <p:cNvSpPr>
+            <a:spLocks noGrp="1"/>
+          </p:cNvSpPr>
+          <p:nvPr>
+            <p:ph type="title"/>
+          </p:nvPr>
+        </p:nvSpPr>
+        <p:spPr/>
+        <p:txBody>
+          <a:bodyPr/>
+          <a:lstStyle/>
+          <a:p>
+            <a:r>
+              <a:rPr lang="en-US" dirty="0" smtClean="0"/>
+              <a:t>Installing the Chrome </a:t>
+            </a:r>
+            <a:r>
+              <a:rPr lang="en-US" dirty="0"/>
+              <a:t>Extension Manually</a:t>
+            </a:r>
+            <a:endParaRPr lang="en-US" dirty="0"/>
+          </a:p>
+        </p:txBody>
+      </p:sp>
+      <p:pic>
+        <p:nvPicPr>
+          <p:cNvPr id="4" name="Picture 3"/>
+          <p:cNvPicPr>
+            <a:picLocks noChangeAspect="1"/>
+          </p:cNvPicPr>
+          <p:nvPr/>
+        </p:nvPicPr>
+        <p:blipFill>
+          <a:blip r:embed="rId2"/>
+          <a:stretch>
+            <a:fillRect/>
+          </a:stretch>
+        </p:blipFill>
+        <p:spPr>
+          <a:xfrm>
+            <a:off x="986170" y="1444724"/>
+            <a:ext cx="10219659" cy="5413276"/>
+          </a:xfrm>
+          <a:prstGeom prst="rect">
+            <a:avLst/>
+          </a:prstGeom>
+        </p:spPr>
+      </p:pic>
+      <p:sp>
+        <p:nvSpPr>
+          <p:cNvPr id="5" name="Rectangle 4"/>
+          <p:cNvSpPr/>
+          <p:nvPr/>
+        </p:nvSpPr>
+        <p:spPr>
+          <a:xfrm>
+            <a:off x="2024743" y="1427584"/>
+            <a:ext cx="2631233" cy="335902"/>
+          </a:xfrm>
+          <a:prstGeom prst="rect">
+            <a:avLst/>
+          </a:prstGeom>
+          <a:noFill/>
+          <a:ln w="38100">
+            <a:solidFill>
+              <a:srgbClr val="FF0000"/>
+            </a:solidFill>
+          </a:ln>
+        </p:spPr>
+        <p:style>
+          <a:lnRef idx="2">
+            <a:schemeClr val="accent1">
+              <a:shade val="50000"/>
+            </a:schemeClr>
+          </a:lnRef>
+          <a:fillRef idx="1">
+            <a:schemeClr val="accent1"/>
+          </a:fillRef>
+          <a:effectRef idx="0">
+            <a:schemeClr val="accent1"/>
+          </a:effectRef>
+          <a:fontRef idx="minor">
+            <a:schemeClr val="lt1"/>
+          </a:fontRef>
+        </p:style>
+        <p:txBody>
+          <a:bodyPr rtlCol="0" anchor="ctr"/>
+          <a:lstStyle/>
+          <a:p>
+            <a:pPr algn="ctr"/>
+            <a:endParaRPr lang="en-US"/>
+          </a:p>
+        </p:txBody>
+      </p:sp>
+      <p:sp>
+        <p:nvSpPr>
+          <p:cNvPr id="6" name="Left Arrow 5"/>
+          <p:cNvSpPr/>
+          <p:nvPr/>
+        </p:nvSpPr>
+        <p:spPr>
+          <a:xfrm rot="3007183">
+            <a:off x="3796901" y="2291568"/>
+            <a:ext cx="1511559" cy="289249"/>
+          </a:xfrm>
+          <a:prstGeom prst="leftArrow">
+            <a:avLst/>
+          </a:prstGeom>
+        </p:spPr>
+        <p:style>
+          <a:lnRef idx="2">
+            <a:schemeClr val="accent4">
+              <a:shade val="50000"/>
+            </a:schemeClr>
+          </a:lnRef>
+          <a:fillRef idx="1">
+            <a:schemeClr val="accent4"/>
+          </a:fillRef>
+          <a:effectRef idx="0">
+            <a:schemeClr val="accent4"/>
+          </a:effectRef>
+          <a:fontRef idx="minor">
+            <a:schemeClr val="lt1"/>
+          </a:fontRef>
+        </p:style>
+        <p:txBody>
+          <a:bodyPr rtlCol="0" anchor="ctr"/>
+          <a:lstStyle/>
+          <a:p>
+            <a:pPr algn="ctr"/>
+            <a:endParaRPr lang="en-US"/>
+          </a:p>
+        </p:txBody>
+      </p:sp>
+      <p:sp>
+        <p:nvSpPr>
+          <p:cNvPr id="8" name="Rounded Rectangle 7"/>
+          <p:cNvSpPr/>
+          <p:nvPr/>
+        </p:nvSpPr>
+        <p:spPr>
+          <a:xfrm>
+            <a:off x="4655976" y="2971369"/>
+            <a:ext cx="2351314" cy="1031534"/>
+          </a:xfrm>
+          <a:prstGeom prst="roundRect">
+            <a:avLst/>
+          </a:prstGeom>
+          <a:ln>
+            <a:noFill/>
+          </a:ln>
+        </p:spPr>
+        <p:style>
+          <a:lnRef idx="2">
+            <a:schemeClr val="accent4">
+              <a:shade val="50000"/>
+            </a:schemeClr>
+          </a:lnRef>
+          <a:fillRef idx="1">
+            <a:schemeClr val="accent4"/>
+          </a:fillRef>
+          <a:effectRef idx="0">
+            <a:schemeClr val="accent4"/>
+          </a:effectRef>
+          <a:fontRef idx="minor">
+            <a:schemeClr val="lt1"/>
+          </a:fontRef>
+        </p:style>
+        <p:txBody>
+          <a:bodyPr rtlCol="0" anchor="ctr"/>
+          <a:lstStyle/>
+          <a:p>
+            <a:pPr algn="ctr"/>
+            <a:endParaRPr lang="en-US"/>
+          </a:p>
+        </p:txBody>
+      </p:sp>
+      <p:sp>
+        <p:nvSpPr>
+          <p:cNvPr id="9" name="TextBox 8"/>
+          <p:cNvSpPr txBox="1"/>
+          <p:nvPr/>
+        </p:nvSpPr>
+        <p:spPr>
+          <a:xfrm>
+            <a:off x="4735286" y="3029158"/>
+            <a:ext cx="2419974" cy="923330"/>
+          </a:xfrm>
+          <a:prstGeom prst="rect">
+            <a:avLst/>
+          </a:prstGeom>
+          <a:noFill/>
+        </p:spPr>
+        <p:txBody>
+          <a:bodyPr wrap="square" rtlCol="0">
+            <a:spAutoFit/>
+          </a:bodyPr>
+          <a:lstStyle/>
+          <a:p>
+            <a:r>
+              <a:rPr lang="en-US" dirty="0" smtClean="0"/>
+              <a:t>Open Chrome and navigate to the </a:t>
+            </a:r>
+            <a:r>
+              <a:rPr lang="en-US" dirty="0" err="1" smtClean="0">
+                <a:hlinkClick r:id="rId3"/>
+              </a:rPr>
+              <a:t>Github</a:t>
+            </a:r>
+            <a:r>
+              <a:rPr lang="en-US" dirty="0" smtClean="0"/>
+              <a:t> repository</a:t>
+            </a:r>
+            <a:endParaRPr lang="en-US" dirty="0"/>
           </a:p>
         </p:txBody>
       </p:sp>
@@ -3091,6 +3964,2013 @@
     <p:extLst>
       <p:ext uri="{BB962C8B-B14F-4D97-AF65-F5344CB8AC3E}">
         <p14:creationId xmlns:p14="http://schemas.microsoft.com/office/powerpoint/2010/main" val="3616038008"/>
+      </p:ext>
+    </p:extLst>
+  </p:cSld>
+  <p:clrMapOvr>
+    <a:masterClrMapping/>
+  </p:clrMapOvr>
+</p:sld>
+</file>
+
+<file path=ppt/slides/slide4.xml><?xml version="1.0" encoding="utf-8"?>
+<p:sld xmlns:a="http://schemas.openxmlformats.org/drawingml/2006/main" xmlns:r="http://schemas.openxmlformats.org/officeDocument/2006/relationships" xmlns:p="http://schemas.openxmlformats.org/presentationml/2006/main">
+  <p:cSld>
+    <p:spTree>
+      <p:nvGrpSpPr>
+        <p:cNvPr id="1" name=""/>
+        <p:cNvGrpSpPr/>
+        <p:nvPr/>
+      </p:nvGrpSpPr>
+      <p:grpSpPr>
+        <a:xfrm>
+          <a:off x="0" y="0"/>
+          <a:ext cx="0" cy="0"/>
+          <a:chOff x="0" y="0"/>
+          <a:chExt cx="0" cy="0"/>
+        </a:xfrm>
+      </p:grpSpPr>
+      <p:pic>
+        <p:nvPicPr>
+          <p:cNvPr id="3" name="Picture 2"/>
+          <p:cNvPicPr>
+            <a:picLocks noChangeAspect="1"/>
+          </p:cNvPicPr>
+          <p:nvPr/>
+        </p:nvPicPr>
+        <p:blipFill>
+          <a:blip r:embed="rId2"/>
+          <a:stretch>
+            <a:fillRect/>
+          </a:stretch>
+        </p:blipFill>
+        <p:spPr>
+          <a:xfrm>
+            <a:off x="1004801" y="1492996"/>
+            <a:ext cx="10182397" cy="5365004"/>
+          </a:xfrm>
+          <a:prstGeom prst="rect">
+            <a:avLst/>
+          </a:prstGeom>
+        </p:spPr>
+      </p:pic>
+      <p:sp>
+        <p:nvSpPr>
+          <p:cNvPr id="2" name="Title 1"/>
+          <p:cNvSpPr>
+            <a:spLocks noGrp="1"/>
+          </p:cNvSpPr>
+          <p:nvPr>
+            <p:ph type="title"/>
+          </p:nvPr>
+        </p:nvSpPr>
+        <p:spPr/>
+        <p:txBody>
+          <a:bodyPr/>
+          <a:lstStyle/>
+          <a:p>
+            <a:r>
+              <a:rPr lang="en-US" dirty="0" smtClean="0"/>
+              <a:t>Installing the Chrome </a:t>
+            </a:r>
+            <a:r>
+              <a:rPr lang="en-US" dirty="0"/>
+              <a:t>Extension Manually</a:t>
+            </a:r>
+            <a:endParaRPr lang="en-US" dirty="0"/>
+          </a:p>
+        </p:txBody>
+      </p:sp>
+      <p:sp>
+        <p:nvSpPr>
+          <p:cNvPr id="5" name="Rectangle 4"/>
+          <p:cNvSpPr/>
+          <p:nvPr/>
+        </p:nvSpPr>
+        <p:spPr>
+          <a:xfrm>
+            <a:off x="10123714" y="3515128"/>
+            <a:ext cx="961054" cy="335902"/>
+          </a:xfrm>
+          <a:prstGeom prst="rect">
+            <a:avLst/>
+          </a:prstGeom>
+          <a:noFill/>
+          <a:ln w="38100">
+            <a:solidFill>
+              <a:srgbClr val="FF0000"/>
+            </a:solidFill>
+          </a:ln>
+        </p:spPr>
+        <p:style>
+          <a:lnRef idx="2">
+            <a:schemeClr val="accent1">
+              <a:shade val="50000"/>
+            </a:schemeClr>
+          </a:lnRef>
+          <a:fillRef idx="1">
+            <a:schemeClr val="accent1"/>
+          </a:fillRef>
+          <a:effectRef idx="0">
+            <a:schemeClr val="accent1"/>
+          </a:effectRef>
+          <a:fontRef idx="minor">
+            <a:schemeClr val="lt1"/>
+          </a:fontRef>
+        </p:style>
+        <p:txBody>
+          <a:bodyPr rtlCol="0" anchor="ctr"/>
+          <a:lstStyle/>
+          <a:p>
+            <a:pPr algn="ctr"/>
+            <a:endParaRPr lang="en-US"/>
+          </a:p>
+        </p:txBody>
+      </p:sp>
+      <p:sp>
+        <p:nvSpPr>
+          <p:cNvPr id="6" name="Left Arrow 5"/>
+          <p:cNvSpPr/>
+          <p:nvPr/>
+        </p:nvSpPr>
+        <p:spPr>
+          <a:xfrm rot="10952752">
+            <a:off x="6886365" y="3405308"/>
+            <a:ext cx="3080650" cy="377488"/>
+          </a:xfrm>
+          <a:prstGeom prst="leftArrow">
+            <a:avLst/>
+          </a:prstGeom>
+        </p:spPr>
+        <p:style>
+          <a:lnRef idx="2">
+            <a:schemeClr val="accent4">
+              <a:shade val="50000"/>
+            </a:schemeClr>
+          </a:lnRef>
+          <a:fillRef idx="1">
+            <a:schemeClr val="accent4"/>
+          </a:fillRef>
+          <a:effectRef idx="0">
+            <a:schemeClr val="accent4"/>
+          </a:effectRef>
+          <a:fontRef idx="minor">
+            <a:schemeClr val="lt1"/>
+          </a:fontRef>
+        </p:style>
+        <p:txBody>
+          <a:bodyPr rtlCol="0" anchor="ctr"/>
+          <a:lstStyle/>
+          <a:p>
+            <a:pPr algn="ctr"/>
+            <a:endParaRPr lang="en-US"/>
+          </a:p>
+        </p:txBody>
+      </p:sp>
+      <p:sp>
+        <p:nvSpPr>
+          <p:cNvPr id="11" name="Left Arrow 10"/>
+          <p:cNvSpPr/>
+          <p:nvPr/>
+        </p:nvSpPr>
+        <p:spPr>
+          <a:xfrm rot="14198511">
+            <a:off x="5373975" y="4793580"/>
+            <a:ext cx="2832065" cy="428126"/>
+          </a:xfrm>
+          <a:prstGeom prst="leftArrow">
+            <a:avLst/>
+          </a:prstGeom>
+        </p:spPr>
+        <p:style>
+          <a:lnRef idx="2">
+            <a:schemeClr val="accent4">
+              <a:shade val="50000"/>
+            </a:schemeClr>
+          </a:lnRef>
+          <a:fillRef idx="1">
+            <a:schemeClr val="accent4"/>
+          </a:fillRef>
+          <a:effectRef idx="0">
+            <a:schemeClr val="accent4"/>
+          </a:effectRef>
+          <a:fontRef idx="minor">
+            <a:schemeClr val="lt1"/>
+          </a:fontRef>
+        </p:style>
+        <p:txBody>
+          <a:bodyPr rtlCol="0" anchor="ctr"/>
+          <a:lstStyle/>
+          <a:p>
+            <a:pPr algn="ctr"/>
+            <a:endParaRPr lang="en-US"/>
+          </a:p>
+        </p:txBody>
+      </p:sp>
+      <p:sp>
+        <p:nvSpPr>
+          <p:cNvPr id="8" name="Rounded Rectangle 7"/>
+          <p:cNvSpPr/>
+          <p:nvPr/>
+        </p:nvSpPr>
+        <p:spPr>
+          <a:xfrm>
+            <a:off x="4655976" y="2971369"/>
+            <a:ext cx="2351314" cy="1031534"/>
+          </a:xfrm>
+          <a:prstGeom prst="roundRect">
+            <a:avLst/>
+          </a:prstGeom>
+          <a:ln>
+            <a:noFill/>
+          </a:ln>
+        </p:spPr>
+        <p:style>
+          <a:lnRef idx="2">
+            <a:schemeClr val="accent4">
+              <a:shade val="50000"/>
+            </a:schemeClr>
+          </a:lnRef>
+          <a:fillRef idx="1">
+            <a:schemeClr val="accent4"/>
+          </a:fillRef>
+          <a:effectRef idx="0">
+            <a:schemeClr val="accent4"/>
+          </a:effectRef>
+          <a:fontRef idx="minor">
+            <a:schemeClr val="lt1"/>
+          </a:fontRef>
+        </p:style>
+        <p:txBody>
+          <a:bodyPr rtlCol="0" anchor="ctr"/>
+          <a:lstStyle/>
+          <a:p>
+            <a:pPr algn="ctr"/>
+            <a:endParaRPr lang="en-US"/>
+          </a:p>
+        </p:txBody>
+      </p:sp>
+      <p:sp>
+        <p:nvSpPr>
+          <p:cNvPr id="9" name="TextBox 8"/>
+          <p:cNvSpPr txBox="1"/>
+          <p:nvPr/>
+        </p:nvSpPr>
+        <p:spPr>
+          <a:xfrm>
+            <a:off x="4735286" y="3029158"/>
+            <a:ext cx="2272004" cy="923330"/>
+          </a:xfrm>
+          <a:prstGeom prst="rect">
+            <a:avLst/>
+          </a:prstGeom>
+          <a:noFill/>
+        </p:spPr>
+        <p:txBody>
+          <a:bodyPr wrap="square" rtlCol="0">
+            <a:spAutoFit/>
+          </a:bodyPr>
+          <a:lstStyle/>
+          <a:p>
+            <a:r>
+              <a:rPr lang="en-US" dirty="0" smtClean="0"/>
+              <a:t>Click “Code” drop-down menu and select “Download ZIP”</a:t>
+            </a:r>
+            <a:endParaRPr lang="en-US" dirty="0"/>
+          </a:p>
+        </p:txBody>
+      </p:sp>
+      <p:sp>
+        <p:nvSpPr>
+          <p:cNvPr id="10" name="Rectangle 9"/>
+          <p:cNvSpPr/>
+          <p:nvPr/>
+        </p:nvSpPr>
+        <p:spPr>
+          <a:xfrm>
+            <a:off x="7644880" y="6308091"/>
+            <a:ext cx="1284515" cy="335902"/>
+          </a:xfrm>
+          <a:prstGeom prst="rect">
+            <a:avLst/>
+          </a:prstGeom>
+          <a:noFill/>
+          <a:ln w="38100">
+            <a:solidFill>
+              <a:srgbClr val="FF0000"/>
+            </a:solidFill>
+          </a:ln>
+        </p:spPr>
+        <p:style>
+          <a:lnRef idx="2">
+            <a:schemeClr val="accent1">
+              <a:shade val="50000"/>
+            </a:schemeClr>
+          </a:lnRef>
+          <a:fillRef idx="1">
+            <a:schemeClr val="accent1"/>
+          </a:fillRef>
+          <a:effectRef idx="0">
+            <a:schemeClr val="accent1"/>
+          </a:effectRef>
+          <a:fontRef idx="minor">
+            <a:schemeClr val="lt1"/>
+          </a:fontRef>
+        </p:style>
+        <p:txBody>
+          <a:bodyPr rtlCol="0" anchor="ctr"/>
+          <a:lstStyle/>
+          <a:p>
+            <a:pPr algn="ctr"/>
+            <a:endParaRPr lang="en-US"/>
+          </a:p>
+        </p:txBody>
+      </p:sp>
+    </p:spTree>
+    <p:extLst>
+      <p:ext uri="{BB962C8B-B14F-4D97-AF65-F5344CB8AC3E}">
+        <p14:creationId xmlns:p14="http://schemas.microsoft.com/office/powerpoint/2010/main" val="3155838386"/>
+      </p:ext>
+    </p:extLst>
+  </p:cSld>
+  <p:clrMapOvr>
+    <a:masterClrMapping/>
+  </p:clrMapOvr>
+</p:sld>
+</file>
+
+<file path=ppt/slides/slide5.xml><?xml version="1.0" encoding="utf-8"?>
+<p:sld xmlns:a="http://schemas.openxmlformats.org/drawingml/2006/main" xmlns:r="http://schemas.openxmlformats.org/officeDocument/2006/relationships" xmlns:p="http://schemas.openxmlformats.org/presentationml/2006/main">
+  <p:cSld>
+    <p:spTree>
+      <p:nvGrpSpPr>
+        <p:cNvPr id="1" name=""/>
+        <p:cNvGrpSpPr/>
+        <p:nvPr/>
+      </p:nvGrpSpPr>
+      <p:grpSpPr>
+        <a:xfrm>
+          <a:off x="0" y="0"/>
+          <a:ext cx="0" cy="0"/>
+          <a:chOff x="0" y="0"/>
+          <a:chExt cx="0" cy="0"/>
+        </a:xfrm>
+      </p:grpSpPr>
+      <p:pic>
+        <p:nvPicPr>
+          <p:cNvPr id="4" name="Picture 3"/>
+          <p:cNvPicPr>
+            <a:picLocks noChangeAspect="1"/>
+          </p:cNvPicPr>
+          <p:nvPr/>
+        </p:nvPicPr>
+        <p:blipFill>
+          <a:blip r:embed="rId2"/>
+          <a:stretch>
+            <a:fillRect/>
+          </a:stretch>
+        </p:blipFill>
+        <p:spPr>
+          <a:xfrm>
+            <a:off x="6734318" y="1590796"/>
+            <a:ext cx="3858163" cy="1019317"/>
+          </a:xfrm>
+          <a:prstGeom prst="rect">
+            <a:avLst/>
+          </a:prstGeom>
+        </p:spPr>
+      </p:pic>
+      <p:sp>
+        <p:nvSpPr>
+          <p:cNvPr id="2" name="Title 1"/>
+          <p:cNvSpPr>
+            <a:spLocks noGrp="1"/>
+          </p:cNvSpPr>
+          <p:nvPr>
+            <p:ph type="title"/>
+          </p:nvPr>
+        </p:nvSpPr>
+        <p:spPr/>
+        <p:txBody>
+          <a:bodyPr/>
+          <a:lstStyle/>
+          <a:p>
+            <a:r>
+              <a:rPr lang="en-US" dirty="0" smtClean="0"/>
+              <a:t>Installing the Chrome </a:t>
+            </a:r>
+            <a:r>
+              <a:rPr lang="en-US" dirty="0" smtClean="0"/>
+              <a:t>Extension Manually</a:t>
+            </a:r>
+            <a:endParaRPr lang="en-US" dirty="0"/>
+          </a:p>
+        </p:txBody>
+      </p:sp>
+      <p:sp>
+        <p:nvSpPr>
+          <p:cNvPr id="5" name="Rectangle 4"/>
+          <p:cNvSpPr/>
+          <p:nvPr/>
+        </p:nvSpPr>
+        <p:spPr>
+          <a:xfrm>
+            <a:off x="9278073" y="2156989"/>
+            <a:ext cx="438539" cy="335902"/>
+          </a:xfrm>
+          <a:prstGeom prst="rect">
+            <a:avLst/>
+          </a:prstGeom>
+          <a:noFill/>
+          <a:ln w="38100">
+            <a:solidFill>
+              <a:srgbClr val="FF0000"/>
+            </a:solidFill>
+          </a:ln>
+        </p:spPr>
+        <p:style>
+          <a:lnRef idx="2">
+            <a:schemeClr val="accent1">
+              <a:shade val="50000"/>
+            </a:schemeClr>
+          </a:lnRef>
+          <a:fillRef idx="1">
+            <a:schemeClr val="accent1"/>
+          </a:fillRef>
+          <a:effectRef idx="0">
+            <a:schemeClr val="accent1"/>
+          </a:effectRef>
+          <a:fontRef idx="minor">
+            <a:schemeClr val="lt1"/>
+          </a:fontRef>
+        </p:style>
+        <p:txBody>
+          <a:bodyPr rtlCol="0" anchor="ctr"/>
+          <a:lstStyle/>
+          <a:p>
+            <a:pPr algn="ctr"/>
+            <a:endParaRPr lang="en-US"/>
+          </a:p>
+        </p:txBody>
+      </p:sp>
+      <p:sp>
+        <p:nvSpPr>
+          <p:cNvPr id="6" name="Left Arrow 5"/>
+          <p:cNvSpPr/>
+          <p:nvPr/>
+        </p:nvSpPr>
+        <p:spPr>
+          <a:xfrm rot="6821113">
+            <a:off x="8622761" y="2899629"/>
+            <a:ext cx="1118133" cy="374632"/>
+          </a:xfrm>
+          <a:prstGeom prst="leftArrow">
+            <a:avLst/>
+          </a:prstGeom>
+        </p:spPr>
+        <p:style>
+          <a:lnRef idx="2">
+            <a:schemeClr val="accent4">
+              <a:shade val="50000"/>
+            </a:schemeClr>
+          </a:lnRef>
+          <a:fillRef idx="1">
+            <a:schemeClr val="accent4"/>
+          </a:fillRef>
+          <a:effectRef idx="0">
+            <a:schemeClr val="accent4"/>
+          </a:effectRef>
+          <a:fontRef idx="minor">
+            <a:schemeClr val="lt1"/>
+          </a:fontRef>
+        </p:style>
+        <p:txBody>
+          <a:bodyPr rtlCol="0" anchor="ctr"/>
+          <a:lstStyle/>
+          <a:p>
+            <a:pPr algn="ctr"/>
+            <a:endParaRPr lang="en-US"/>
+          </a:p>
+        </p:txBody>
+      </p:sp>
+      <p:sp>
+        <p:nvSpPr>
+          <p:cNvPr id="8" name="Rounded Rectangle 7"/>
+          <p:cNvSpPr/>
+          <p:nvPr/>
+        </p:nvSpPr>
+        <p:spPr>
+          <a:xfrm>
+            <a:off x="7654547" y="3158399"/>
+            <a:ext cx="2379306" cy="1330044"/>
+          </a:xfrm>
+          <a:prstGeom prst="roundRect">
+            <a:avLst/>
+          </a:prstGeom>
+          <a:ln>
+            <a:noFill/>
+          </a:ln>
+        </p:spPr>
+        <p:style>
+          <a:lnRef idx="2">
+            <a:schemeClr val="accent4">
+              <a:shade val="50000"/>
+            </a:schemeClr>
+          </a:lnRef>
+          <a:fillRef idx="1">
+            <a:schemeClr val="accent4"/>
+          </a:fillRef>
+          <a:effectRef idx="0">
+            <a:schemeClr val="accent4"/>
+          </a:effectRef>
+          <a:fontRef idx="minor">
+            <a:schemeClr val="lt1"/>
+          </a:fontRef>
+        </p:style>
+        <p:txBody>
+          <a:bodyPr rtlCol="0" anchor="ctr"/>
+          <a:lstStyle/>
+          <a:p>
+            <a:pPr algn="ctr"/>
+            <a:endParaRPr lang="en-US"/>
+          </a:p>
+        </p:txBody>
+      </p:sp>
+      <p:sp>
+        <p:nvSpPr>
+          <p:cNvPr id="9" name="TextBox 8"/>
+          <p:cNvSpPr txBox="1"/>
+          <p:nvPr/>
+        </p:nvSpPr>
+        <p:spPr>
+          <a:xfrm>
+            <a:off x="7761849" y="3216188"/>
+            <a:ext cx="2272004" cy="1200329"/>
+          </a:xfrm>
+          <a:prstGeom prst="rect">
+            <a:avLst/>
+          </a:prstGeom>
+          <a:noFill/>
+        </p:spPr>
+        <p:txBody>
+          <a:bodyPr wrap="square" rtlCol="0">
+            <a:spAutoFit/>
+          </a:bodyPr>
+          <a:lstStyle/>
+          <a:p>
+            <a:r>
+              <a:rPr lang="en-US" dirty="0" smtClean="0"/>
+              <a:t>When Download completes, select folder icon to open Download location.</a:t>
+            </a:r>
+            <a:endParaRPr lang="en-US" dirty="0"/>
+          </a:p>
+        </p:txBody>
+      </p:sp>
+      <p:pic>
+        <p:nvPicPr>
+          <p:cNvPr id="7" name="Picture 6"/>
+          <p:cNvPicPr>
+            <a:picLocks noChangeAspect="1"/>
+          </p:cNvPicPr>
+          <p:nvPr/>
+        </p:nvPicPr>
+        <p:blipFill>
+          <a:blip r:embed="rId3"/>
+          <a:stretch>
+            <a:fillRect/>
+          </a:stretch>
+        </p:blipFill>
+        <p:spPr>
+          <a:xfrm>
+            <a:off x="574622" y="3953650"/>
+            <a:ext cx="6606958" cy="1772780"/>
+          </a:xfrm>
+          <a:prstGeom prst="rect">
+            <a:avLst/>
+          </a:prstGeom>
+        </p:spPr>
+      </p:pic>
+      <p:sp>
+        <p:nvSpPr>
+          <p:cNvPr id="12" name="Rectangle 11"/>
+          <p:cNvSpPr/>
+          <p:nvPr/>
+        </p:nvSpPr>
+        <p:spPr>
+          <a:xfrm>
+            <a:off x="3360481" y="4335854"/>
+            <a:ext cx="857460" cy="346174"/>
+          </a:xfrm>
+          <a:prstGeom prst="rect">
+            <a:avLst/>
+          </a:prstGeom>
+          <a:noFill/>
+          <a:ln w="38100">
+            <a:solidFill>
+              <a:srgbClr val="FF0000"/>
+            </a:solidFill>
+          </a:ln>
+        </p:spPr>
+        <p:style>
+          <a:lnRef idx="2">
+            <a:schemeClr val="accent1">
+              <a:shade val="50000"/>
+            </a:schemeClr>
+          </a:lnRef>
+          <a:fillRef idx="1">
+            <a:schemeClr val="accent1"/>
+          </a:fillRef>
+          <a:effectRef idx="0">
+            <a:schemeClr val="accent1"/>
+          </a:effectRef>
+          <a:fontRef idx="minor">
+            <a:schemeClr val="lt1"/>
+          </a:fontRef>
+        </p:style>
+        <p:txBody>
+          <a:bodyPr rtlCol="0" anchor="ctr"/>
+          <a:lstStyle/>
+          <a:p>
+            <a:pPr algn="ctr"/>
+            <a:endParaRPr lang="en-US"/>
+          </a:p>
+        </p:txBody>
+      </p:sp>
+      <p:sp>
+        <p:nvSpPr>
+          <p:cNvPr id="13" name="Left Arrow 12"/>
+          <p:cNvSpPr/>
+          <p:nvPr/>
+        </p:nvSpPr>
+        <p:spPr>
+          <a:xfrm rot="5884302">
+            <a:off x="3097770" y="4988738"/>
+            <a:ext cx="1060115" cy="355211"/>
+          </a:xfrm>
+          <a:prstGeom prst="leftArrow">
+            <a:avLst/>
+          </a:prstGeom>
+        </p:spPr>
+        <p:style>
+          <a:lnRef idx="2">
+            <a:schemeClr val="accent4">
+              <a:shade val="50000"/>
+            </a:schemeClr>
+          </a:lnRef>
+          <a:fillRef idx="1">
+            <a:schemeClr val="accent4"/>
+          </a:fillRef>
+          <a:effectRef idx="0">
+            <a:schemeClr val="accent4"/>
+          </a:effectRef>
+          <a:fontRef idx="minor">
+            <a:schemeClr val="lt1"/>
+          </a:fontRef>
+        </p:style>
+        <p:txBody>
+          <a:bodyPr rtlCol="0" anchor="ctr"/>
+          <a:lstStyle/>
+          <a:p>
+            <a:pPr algn="ctr"/>
+            <a:endParaRPr lang="en-US"/>
+          </a:p>
+        </p:txBody>
+      </p:sp>
+      <p:sp>
+        <p:nvSpPr>
+          <p:cNvPr id="14" name="Rounded Rectangle 13"/>
+          <p:cNvSpPr/>
+          <p:nvPr/>
+        </p:nvSpPr>
+        <p:spPr>
+          <a:xfrm>
+            <a:off x="1535301" y="5463862"/>
+            <a:ext cx="4652177" cy="684242"/>
+          </a:xfrm>
+          <a:prstGeom prst="roundRect">
+            <a:avLst/>
+          </a:prstGeom>
+          <a:ln>
+            <a:noFill/>
+          </a:ln>
+        </p:spPr>
+        <p:style>
+          <a:lnRef idx="2">
+            <a:schemeClr val="accent4">
+              <a:shade val="50000"/>
+            </a:schemeClr>
+          </a:lnRef>
+          <a:fillRef idx="1">
+            <a:schemeClr val="accent4"/>
+          </a:fillRef>
+          <a:effectRef idx="0">
+            <a:schemeClr val="accent4"/>
+          </a:effectRef>
+          <a:fontRef idx="minor">
+            <a:schemeClr val="lt1"/>
+          </a:fontRef>
+        </p:style>
+        <p:txBody>
+          <a:bodyPr rtlCol="0" anchor="ctr"/>
+          <a:lstStyle/>
+          <a:p>
+            <a:pPr algn="ctr"/>
+            <a:endParaRPr lang="en-US"/>
+          </a:p>
+        </p:txBody>
+      </p:sp>
+      <p:sp>
+        <p:nvSpPr>
+          <p:cNvPr id="15" name="TextBox 14"/>
+          <p:cNvSpPr txBox="1"/>
+          <p:nvPr/>
+        </p:nvSpPr>
+        <p:spPr>
+          <a:xfrm>
+            <a:off x="1640202" y="5501772"/>
+            <a:ext cx="4442373" cy="646331"/>
+          </a:xfrm>
+          <a:prstGeom prst="rect">
+            <a:avLst/>
+          </a:prstGeom>
+          <a:noFill/>
+        </p:spPr>
+        <p:txBody>
+          <a:bodyPr wrap="square" rtlCol="0">
+            <a:spAutoFit/>
+          </a:bodyPr>
+          <a:lstStyle/>
+          <a:p>
+            <a:r>
+              <a:rPr lang="en-US" dirty="0" smtClean="0"/>
+              <a:t>Left-click on download, then click on “Extract all”.</a:t>
+            </a:r>
+            <a:endParaRPr lang="en-US" dirty="0"/>
+          </a:p>
+        </p:txBody>
+      </p:sp>
+    </p:spTree>
+    <p:extLst>
+      <p:ext uri="{BB962C8B-B14F-4D97-AF65-F5344CB8AC3E}">
+        <p14:creationId xmlns:p14="http://schemas.microsoft.com/office/powerpoint/2010/main" val="3561756334"/>
+      </p:ext>
+    </p:extLst>
+  </p:cSld>
+  <p:clrMapOvr>
+    <a:masterClrMapping/>
+  </p:clrMapOvr>
+</p:sld>
+</file>
+
+<file path=ppt/slides/slide6.xml><?xml version="1.0" encoding="utf-8"?>
+<p:sld xmlns:a="http://schemas.openxmlformats.org/drawingml/2006/main" xmlns:r="http://schemas.openxmlformats.org/officeDocument/2006/relationships" xmlns:p="http://schemas.openxmlformats.org/presentationml/2006/main">
+  <p:cSld>
+    <p:spTree>
+      <p:nvGrpSpPr>
+        <p:cNvPr id="1" name=""/>
+        <p:cNvGrpSpPr/>
+        <p:nvPr/>
+      </p:nvGrpSpPr>
+      <p:grpSpPr>
+        <a:xfrm>
+          <a:off x="0" y="0"/>
+          <a:ext cx="0" cy="0"/>
+          <a:chOff x="0" y="0"/>
+          <a:chExt cx="0" cy="0"/>
+        </a:xfrm>
+      </p:grpSpPr>
+      <p:pic>
+        <p:nvPicPr>
+          <p:cNvPr id="3" name="Picture 2"/>
+          <p:cNvPicPr>
+            <a:picLocks noChangeAspect="1"/>
+          </p:cNvPicPr>
+          <p:nvPr/>
+        </p:nvPicPr>
+        <p:blipFill>
+          <a:blip r:embed="rId2"/>
+          <a:stretch>
+            <a:fillRect/>
+          </a:stretch>
+        </p:blipFill>
+        <p:spPr>
+          <a:xfrm>
+            <a:off x="3848292" y="1884780"/>
+            <a:ext cx="5801535" cy="4267796"/>
+          </a:xfrm>
+          <a:prstGeom prst="rect">
+            <a:avLst/>
+          </a:prstGeom>
+        </p:spPr>
+      </p:pic>
+      <p:sp>
+        <p:nvSpPr>
+          <p:cNvPr id="2" name="Title 1"/>
+          <p:cNvSpPr>
+            <a:spLocks noGrp="1"/>
+          </p:cNvSpPr>
+          <p:nvPr>
+            <p:ph type="title"/>
+          </p:nvPr>
+        </p:nvSpPr>
+        <p:spPr/>
+        <p:txBody>
+          <a:bodyPr/>
+          <a:lstStyle/>
+          <a:p>
+            <a:r>
+              <a:rPr lang="en-US" dirty="0" smtClean="0"/>
+              <a:t>Installing the Chrome </a:t>
+            </a:r>
+            <a:r>
+              <a:rPr lang="en-US" dirty="0" smtClean="0"/>
+              <a:t>Extension Manually</a:t>
+            </a:r>
+            <a:endParaRPr lang="en-US" dirty="0"/>
+          </a:p>
+        </p:txBody>
+      </p:sp>
+      <p:sp>
+        <p:nvSpPr>
+          <p:cNvPr id="12" name="Rectangle 11"/>
+          <p:cNvSpPr/>
+          <p:nvPr/>
+        </p:nvSpPr>
+        <p:spPr>
+          <a:xfrm>
+            <a:off x="8424238" y="3163078"/>
+            <a:ext cx="953027" cy="388761"/>
+          </a:xfrm>
+          <a:prstGeom prst="rect">
+            <a:avLst/>
+          </a:prstGeom>
+          <a:noFill/>
+          <a:ln w="38100">
+            <a:solidFill>
+              <a:srgbClr val="FF0000"/>
+            </a:solidFill>
+          </a:ln>
+        </p:spPr>
+        <p:style>
+          <a:lnRef idx="2">
+            <a:schemeClr val="accent1">
+              <a:shade val="50000"/>
+            </a:schemeClr>
+          </a:lnRef>
+          <a:fillRef idx="1">
+            <a:schemeClr val="accent1"/>
+          </a:fillRef>
+          <a:effectRef idx="0">
+            <a:schemeClr val="accent1"/>
+          </a:effectRef>
+          <a:fontRef idx="minor">
+            <a:schemeClr val="lt1"/>
+          </a:fontRef>
+        </p:style>
+        <p:txBody>
+          <a:bodyPr rtlCol="0" anchor="ctr"/>
+          <a:lstStyle/>
+          <a:p>
+            <a:pPr algn="ctr"/>
+            <a:endParaRPr lang="en-US"/>
+          </a:p>
+        </p:txBody>
+      </p:sp>
+      <p:sp>
+        <p:nvSpPr>
+          <p:cNvPr id="13" name="Left Arrow 12"/>
+          <p:cNvSpPr/>
+          <p:nvPr/>
+        </p:nvSpPr>
+        <p:spPr>
+          <a:xfrm rot="9810617">
+            <a:off x="5444649" y="3656719"/>
+            <a:ext cx="2966114" cy="322712"/>
+          </a:xfrm>
+          <a:prstGeom prst="leftArrow">
+            <a:avLst/>
+          </a:prstGeom>
+        </p:spPr>
+        <p:style>
+          <a:lnRef idx="2">
+            <a:schemeClr val="accent4">
+              <a:shade val="50000"/>
+            </a:schemeClr>
+          </a:lnRef>
+          <a:fillRef idx="1">
+            <a:schemeClr val="accent4"/>
+          </a:fillRef>
+          <a:effectRef idx="0">
+            <a:schemeClr val="accent4"/>
+          </a:effectRef>
+          <a:fontRef idx="minor">
+            <a:schemeClr val="lt1"/>
+          </a:fontRef>
+        </p:style>
+        <p:txBody>
+          <a:bodyPr rtlCol="0" anchor="ctr"/>
+          <a:lstStyle/>
+          <a:p>
+            <a:pPr algn="ctr"/>
+            <a:endParaRPr lang="en-US"/>
+          </a:p>
+        </p:txBody>
+      </p:sp>
+      <p:sp>
+        <p:nvSpPr>
+          <p:cNvPr id="17" name="Left Arrow 16"/>
+          <p:cNvSpPr/>
+          <p:nvPr/>
+        </p:nvSpPr>
+        <p:spPr>
+          <a:xfrm rot="12251395">
+            <a:off x="5022301" y="5094154"/>
+            <a:ext cx="2966114" cy="322712"/>
+          </a:xfrm>
+          <a:prstGeom prst="leftArrow">
+            <a:avLst/>
+          </a:prstGeom>
+        </p:spPr>
+        <p:style>
+          <a:lnRef idx="2">
+            <a:schemeClr val="accent4">
+              <a:shade val="50000"/>
+            </a:schemeClr>
+          </a:lnRef>
+          <a:fillRef idx="1">
+            <a:schemeClr val="accent4"/>
+          </a:fillRef>
+          <a:effectRef idx="0">
+            <a:schemeClr val="accent4"/>
+          </a:effectRef>
+          <a:fontRef idx="minor">
+            <a:schemeClr val="lt1"/>
+          </a:fontRef>
+        </p:style>
+        <p:txBody>
+          <a:bodyPr rtlCol="0" anchor="ctr"/>
+          <a:lstStyle/>
+          <a:p>
+            <a:pPr algn="ctr"/>
+            <a:endParaRPr lang="en-US"/>
+          </a:p>
+        </p:txBody>
+      </p:sp>
+      <p:sp>
+        <p:nvSpPr>
+          <p:cNvPr id="14" name="Rounded Rectangle 13"/>
+          <p:cNvSpPr/>
+          <p:nvPr/>
+        </p:nvSpPr>
+        <p:spPr>
+          <a:xfrm>
+            <a:off x="2519265" y="3920704"/>
+            <a:ext cx="3068290" cy="1334278"/>
+          </a:xfrm>
+          <a:prstGeom prst="roundRect">
+            <a:avLst/>
+          </a:prstGeom>
+          <a:ln>
+            <a:noFill/>
+          </a:ln>
+        </p:spPr>
+        <p:style>
+          <a:lnRef idx="2">
+            <a:schemeClr val="accent4">
+              <a:shade val="50000"/>
+            </a:schemeClr>
+          </a:lnRef>
+          <a:fillRef idx="1">
+            <a:schemeClr val="accent4"/>
+          </a:fillRef>
+          <a:effectRef idx="0">
+            <a:schemeClr val="accent4"/>
+          </a:effectRef>
+          <a:fontRef idx="minor">
+            <a:schemeClr val="lt1"/>
+          </a:fontRef>
+        </p:style>
+        <p:txBody>
+          <a:bodyPr rtlCol="0" anchor="ctr"/>
+          <a:lstStyle/>
+          <a:p>
+            <a:pPr algn="ctr"/>
+            <a:endParaRPr lang="en-US"/>
+          </a:p>
+        </p:txBody>
+      </p:sp>
+      <p:sp>
+        <p:nvSpPr>
+          <p:cNvPr id="15" name="TextBox 14"/>
+          <p:cNvSpPr txBox="1"/>
+          <p:nvPr/>
+        </p:nvSpPr>
+        <p:spPr>
+          <a:xfrm>
+            <a:off x="2627700" y="4084992"/>
+            <a:ext cx="2851419" cy="923330"/>
+          </a:xfrm>
+          <a:prstGeom prst="rect">
+            <a:avLst/>
+          </a:prstGeom>
+          <a:noFill/>
+        </p:spPr>
+        <p:txBody>
+          <a:bodyPr wrap="square" rtlCol="0">
+            <a:spAutoFit/>
+          </a:bodyPr>
+          <a:lstStyle/>
+          <a:p>
+            <a:r>
+              <a:rPr lang="en-US" dirty="0" smtClean="0"/>
+              <a:t>Click “Browse…” and select your desired file path location. Click “Extract”.</a:t>
+            </a:r>
+            <a:endParaRPr lang="en-US" dirty="0"/>
+          </a:p>
+        </p:txBody>
+      </p:sp>
+      <p:sp>
+        <p:nvSpPr>
+          <p:cNvPr id="16" name="Rectangle 15"/>
+          <p:cNvSpPr/>
+          <p:nvPr/>
+        </p:nvSpPr>
+        <p:spPr>
+          <a:xfrm>
+            <a:off x="7947724" y="5763815"/>
+            <a:ext cx="953027" cy="388761"/>
+          </a:xfrm>
+          <a:prstGeom prst="rect">
+            <a:avLst/>
+          </a:prstGeom>
+          <a:noFill/>
+          <a:ln w="38100">
+            <a:solidFill>
+              <a:srgbClr val="FF0000"/>
+            </a:solidFill>
+          </a:ln>
+        </p:spPr>
+        <p:style>
+          <a:lnRef idx="2">
+            <a:schemeClr val="accent1">
+              <a:shade val="50000"/>
+            </a:schemeClr>
+          </a:lnRef>
+          <a:fillRef idx="1">
+            <a:schemeClr val="accent1"/>
+          </a:fillRef>
+          <a:effectRef idx="0">
+            <a:schemeClr val="accent1"/>
+          </a:effectRef>
+          <a:fontRef idx="minor">
+            <a:schemeClr val="lt1"/>
+          </a:fontRef>
+        </p:style>
+        <p:txBody>
+          <a:bodyPr rtlCol="0" anchor="ctr"/>
+          <a:lstStyle/>
+          <a:p>
+            <a:pPr algn="ctr"/>
+            <a:endParaRPr lang="en-US"/>
+          </a:p>
+        </p:txBody>
+      </p:sp>
+    </p:spTree>
+    <p:extLst>
+      <p:ext uri="{BB962C8B-B14F-4D97-AF65-F5344CB8AC3E}">
+        <p14:creationId xmlns:p14="http://schemas.microsoft.com/office/powerpoint/2010/main" val="1093267908"/>
+      </p:ext>
+    </p:extLst>
+  </p:cSld>
+  <p:clrMapOvr>
+    <a:masterClrMapping/>
+  </p:clrMapOvr>
+</p:sld>
+</file>
+
+<file path=ppt/slides/slide7.xml><?xml version="1.0" encoding="utf-8"?>
+<p:sld xmlns:a="http://schemas.openxmlformats.org/drawingml/2006/main" xmlns:r="http://schemas.openxmlformats.org/officeDocument/2006/relationships" xmlns:p="http://schemas.openxmlformats.org/presentationml/2006/main">
+  <p:cSld>
+    <p:spTree>
+      <p:nvGrpSpPr>
+        <p:cNvPr id="1" name=""/>
+        <p:cNvGrpSpPr/>
+        <p:nvPr/>
+      </p:nvGrpSpPr>
+      <p:grpSpPr>
+        <a:xfrm>
+          <a:off x="0" y="0"/>
+          <a:ext cx="0" cy="0"/>
+          <a:chOff x="0" y="0"/>
+          <a:chExt cx="0" cy="0"/>
+        </a:xfrm>
+      </p:grpSpPr>
+      <p:pic>
+        <p:nvPicPr>
+          <p:cNvPr id="4" name="Picture 3"/>
+          <p:cNvPicPr>
+            <a:picLocks noChangeAspect="1"/>
+          </p:cNvPicPr>
+          <p:nvPr/>
+        </p:nvPicPr>
+        <p:blipFill>
+          <a:blip r:embed="rId2"/>
+          <a:stretch>
+            <a:fillRect/>
+          </a:stretch>
+        </p:blipFill>
+        <p:spPr>
+          <a:xfrm>
+            <a:off x="511625" y="2095769"/>
+            <a:ext cx="11372122" cy="3595904"/>
+          </a:xfrm>
+          <a:prstGeom prst="rect">
+            <a:avLst/>
+          </a:prstGeom>
+        </p:spPr>
+      </p:pic>
+      <p:sp>
+        <p:nvSpPr>
+          <p:cNvPr id="2" name="Title 1"/>
+          <p:cNvSpPr>
+            <a:spLocks noGrp="1"/>
+          </p:cNvSpPr>
+          <p:nvPr>
+            <p:ph type="title"/>
+          </p:nvPr>
+        </p:nvSpPr>
+        <p:spPr/>
+        <p:txBody>
+          <a:bodyPr/>
+          <a:lstStyle/>
+          <a:p>
+            <a:r>
+              <a:rPr lang="en-US" dirty="0" smtClean="0"/>
+              <a:t>Installing the Chrome </a:t>
+            </a:r>
+            <a:r>
+              <a:rPr lang="en-US" dirty="0" smtClean="0"/>
+              <a:t>Extension Manually</a:t>
+            </a:r>
+            <a:endParaRPr lang="en-US" dirty="0"/>
+          </a:p>
+        </p:txBody>
+      </p:sp>
+      <p:sp>
+        <p:nvSpPr>
+          <p:cNvPr id="12" name="Rectangle 11"/>
+          <p:cNvSpPr/>
+          <p:nvPr/>
+        </p:nvSpPr>
+        <p:spPr>
+          <a:xfrm>
+            <a:off x="2051429" y="2095769"/>
+            <a:ext cx="953027" cy="325798"/>
+          </a:xfrm>
+          <a:prstGeom prst="rect">
+            <a:avLst/>
+          </a:prstGeom>
+          <a:noFill/>
+          <a:ln w="38100">
+            <a:solidFill>
+              <a:srgbClr val="FF0000"/>
+            </a:solidFill>
+          </a:ln>
+        </p:spPr>
+        <p:style>
+          <a:lnRef idx="2">
+            <a:schemeClr val="accent1">
+              <a:shade val="50000"/>
+            </a:schemeClr>
+          </a:lnRef>
+          <a:fillRef idx="1">
+            <a:schemeClr val="accent1"/>
+          </a:fillRef>
+          <a:effectRef idx="0">
+            <a:schemeClr val="accent1"/>
+          </a:effectRef>
+          <a:fontRef idx="minor">
+            <a:schemeClr val="lt1"/>
+          </a:fontRef>
+        </p:style>
+        <p:txBody>
+          <a:bodyPr rtlCol="0" anchor="ctr"/>
+          <a:lstStyle/>
+          <a:p>
+            <a:pPr algn="ctr"/>
+            <a:endParaRPr lang="en-US"/>
+          </a:p>
+        </p:txBody>
+      </p:sp>
+      <p:sp>
+        <p:nvSpPr>
+          <p:cNvPr id="13" name="Left Arrow 12"/>
+          <p:cNvSpPr/>
+          <p:nvPr/>
+        </p:nvSpPr>
+        <p:spPr>
+          <a:xfrm rot="3116035">
+            <a:off x="2155229" y="3527310"/>
+            <a:ext cx="2966114" cy="322712"/>
+          </a:xfrm>
+          <a:prstGeom prst="leftArrow">
+            <a:avLst/>
+          </a:prstGeom>
+        </p:spPr>
+        <p:style>
+          <a:lnRef idx="2">
+            <a:schemeClr val="accent4">
+              <a:shade val="50000"/>
+            </a:schemeClr>
+          </a:lnRef>
+          <a:fillRef idx="1">
+            <a:schemeClr val="accent4"/>
+          </a:fillRef>
+          <a:effectRef idx="0">
+            <a:schemeClr val="accent4"/>
+          </a:effectRef>
+          <a:fontRef idx="minor">
+            <a:schemeClr val="lt1"/>
+          </a:fontRef>
+        </p:style>
+        <p:txBody>
+          <a:bodyPr rtlCol="0" anchor="ctr"/>
+          <a:lstStyle/>
+          <a:p>
+            <a:pPr algn="ctr"/>
+            <a:endParaRPr lang="en-US"/>
+          </a:p>
+        </p:txBody>
+      </p:sp>
+      <p:sp>
+        <p:nvSpPr>
+          <p:cNvPr id="17" name="Left Arrow 16"/>
+          <p:cNvSpPr/>
+          <p:nvPr/>
+        </p:nvSpPr>
+        <p:spPr>
+          <a:xfrm rot="9814911">
+            <a:off x="5343694" y="3360135"/>
+            <a:ext cx="5585734" cy="336018"/>
+          </a:xfrm>
+          <a:prstGeom prst="leftArrow">
+            <a:avLst/>
+          </a:prstGeom>
+        </p:spPr>
+        <p:style>
+          <a:lnRef idx="2">
+            <a:schemeClr val="accent4">
+              <a:shade val="50000"/>
+            </a:schemeClr>
+          </a:lnRef>
+          <a:fillRef idx="1">
+            <a:schemeClr val="accent4"/>
+          </a:fillRef>
+          <a:effectRef idx="0">
+            <a:schemeClr val="accent4"/>
+          </a:effectRef>
+          <a:fontRef idx="minor">
+            <a:schemeClr val="lt1"/>
+          </a:fontRef>
+        </p:style>
+        <p:txBody>
+          <a:bodyPr rtlCol="0" anchor="ctr"/>
+          <a:lstStyle/>
+          <a:p>
+            <a:pPr algn="ctr"/>
+            <a:endParaRPr lang="en-US"/>
+          </a:p>
+        </p:txBody>
+      </p:sp>
+      <p:sp>
+        <p:nvSpPr>
+          <p:cNvPr id="14" name="Rounded Rectangle 13"/>
+          <p:cNvSpPr/>
+          <p:nvPr/>
+        </p:nvSpPr>
+        <p:spPr>
+          <a:xfrm>
+            <a:off x="2659224" y="3778897"/>
+            <a:ext cx="3041780" cy="1912775"/>
+          </a:xfrm>
+          <a:prstGeom prst="roundRect">
+            <a:avLst/>
+          </a:prstGeom>
+          <a:ln>
+            <a:noFill/>
+          </a:ln>
+        </p:spPr>
+        <p:style>
+          <a:lnRef idx="2">
+            <a:schemeClr val="accent4">
+              <a:shade val="50000"/>
+            </a:schemeClr>
+          </a:lnRef>
+          <a:fillRef idx="1">
+            <a:schemeClr val="accent4"/>
+          </a:fillRef>
+          <a:effectRef idx="0">
+            <a:schemeClr val="accent4"/>
+          </a:effectRef>
+          <a:fontRef idx="minor">
+            <a:schemeClr val="lt1"/>
+          </a:fontRef>
+        </p:style>
+        <p:txBody>
+          <a:bodyPr rtlCol="0" anchor="ctr"/>
+          <a:lstStyle/>
+          <a:p>
+            <a:pPr algn="ctr"/>
+            <a:endParaRPr lang="en-US"/>
+          </a:p>
+        </p:txBody>
+      </p:sp>
+      <p:sp>
+        <p:nvSpPr>
+          <p:cNvPr id="15" name="TextBox 14"/>
+          <p:cNvSpPr txBox="1"/>
+          <p:nvPr/>
+        </p:nvSpPr>
+        <p:spPr>
+          <a:xfrm>
+            <a:off x="2754404" y="3858121"/>
+            <a:ext cx="2851419" cy="1754326"/>
+          </a:xfrm>
+          <a:prstGeom prst="rect">
+            <a:avLst/>
+          </a:prstGeom>
+          <a:noFill/>
+        </p:spPr>
+        <p:txBody>
+          <a:bodyPr wrap="square" rtlCol="0">
+            <a:spAutoFit/>
+          </a:bodyPr>
+          <a:lstStyle/>
+          <a:p>
+            <a:r>
+              <a:rPr lang="en-US" dirty="0" smtClean="0"/>
+              <a:t>In Chrome, navigate to </a:t>
+            </a:r>
+            <a:r>
+              <a:rPr lang="en-US" dirty="0" smtClean="0">
+                <a:hlinkClick r:id="rId3"/>
+              </a:rPr>
+              <a:t>chrome://extensions</a:t>
+            </a:r>
+            <a:r>
+              <a:rPr lang="en-US" dirty="0" smtClean="0"/>
+              <a:t>. Turn on “Developer mode” by clicking the slider button. When on, the slider turns blue.</a:t>
+            </a:r>
+            <a:endParaRPr lang="en-US" dirty="0"/>
+          </a:p>
+        </p:txBody>
+      </p:sp>
+      <p:sp>
+        <p:nvSpPr>
+          <p:cNvPr id="16" name="Rectangle 15"/>
+          <p:cNvSpPr/>
+          <p:nvPr/>
+        </p:nvSpPr>
+        <p:spPr>
+          <a:xfrm>
+            <a:off x="10930720" y="2421567"/>
+            <a:ext cx="1031125" cy="321633"/>
+          </a:xfrm>
+          <a:prstGeom prst="rect">
+            <a:avLst/>
+          </a:prstGeom>
+          <a:noFill/>
+          <a:ln w="38100">
+            <a:solidFill>
+              <a:srgbClr val="FF0000"/>
+            </a:solidFill>
+          </a:ln>
+        </p:spPr>
+        <p:style>
+          <a:lnRef idx="2">
+            <a:schemeClr val="accent1">
+              <a:shade val="50000"/>
+            </a:schemeClr>
+          </a:lnRef>
+          <a:fillRef idx="1">
+            <a:schemeClr val="accent1"/>
+          </a:fillRef>
+          <a:effectRef idx="0">
+            <a:schemeClr val="accent1"/>
+          </a:effectRef>
+          <a:fontRef idx="minor">
+            <a:schemeClr val="lt1"/>
+          </a:fontRef>
+        </p:style>
+        <p:txBody>
+          <a:bodyPr rtlCol="0" anchor="ctr"/>
+          <a:lstStyle/>
+          <a:p>
+            <a:pPr algn="ctr"/>
+            <a:endParaRPr lang="en-US"/>
+          </a:p>
+        </p:txBody>
+      </p:sp>
+    </p:spTree>
+    <p:extLst>
+      <p:ext uri="{BB962C8B-B14F-4D97-AF65-F5344CB8AC3E}">
+        <p14:creationId xmlns:p14="http://schemas.microsoft.com/office/powerpoint/2010/main" val="73826229"/>
+      </p:ext>
+    </p:extLst>
+  </p:cSld>
+  <p:clrMapOvr>
+    <a:masterClrMapping/>
+  </p:clrMapOvr>
+</p:sld>
+</file>
+
+<file path=ppt/slides/slide8.xml><?xml version="1.0" encoding="utf-8"?>
+<p:sld xmlns:a="http://schemas.openxmlformats.org/drawingml/2006/main" xmlns:r="http://schemas.openxmlformats.org/officeDocument/2006/relationships" xmlns:p="http://schemas.openxmlformats.org/presentationml/2006/main">
+  <p:cSld>
+    <p:spTree>
+      <p:nvGrpSpPr>
+        <p:cNvPr id="1" name=""/>
+        <p:cNvGrpSpPr/>
+        <p:nvPr/>
+      </p:nvGrpSpPr>
+      <p:grpSpPr>
+        <a:xfrm>
+          <a:off x="0" y="0"/>
+          <a:ext cx="0" cy="0"/>
+          <a:chOff x="0" y="0"/>
+          <a:chExt cx="0" cy="0"/>
+        </a:xfrm>
+      </p:grpSpPr>
+      <p:pic>
+        <p:nvPicPr>
+          <p:cNvPr id="3" name="Picture 2"/>
+          <p:cNvPicPr>
+            <a:picLocks noChangeAspect="1"/>
+          </p:cNvPicPr>
+          <p:nvPr/>
+        </p:nvPicPr>
+        <p:blipFill>
+          <a:blip r:embed="rId2"/>
+          <a:stretch>
+            <a:fillRect/>
+          </a:stretch>
+        </p:blipFill>
+        <p:spPr>
+          <a:xfrm>
+            <a:off x="543792" y="1848729"/>
+            <a:ext cx="11334078" cy="4623735"/>
+          </a:xfrm>
+          <a:prstGeom prst="rect">
+            <a:avLst/>
+          </a:prstGeom>
+        </p:spPr>
+      </p:pic>
+      <p:sp>
+        <p:nvSpPr>
+          <p:cNvPr id="2" name="Title 1"/>
+          <p:cNvSpPr>
+            <a:spLocks noGrp="1"/>
+          </p:cNvSpPr>
+          <p:nvPr>
+            <p:ph type="title"/>
+          </p:nvPr>
+        </p:nvSpPr>
+        <p:spPr/>
+        <p:txBody>
+          <a:bodyPr/>
+          <a:lstStyle/>
+          <a:p>
+            <a:r>
+              <a:rPr lang="en-US" dirty="0" smtClean="0"/>
+              <a:t>Installing the Chrome </a:t>
+            </a:r>
+            <a:r>
+              <a:rPr lang="en-US" dirty="0" smtClean="0"/>
+              <a:t>Extension Manually</a:t>
+            </a:r>
+            <a:endParaRPr lang="en-US" dirty="0"/>
+          </a:p>
+        </p:txBody>
+      </p:sp>
+      <p:sp>
+        <p:nvSpPr>
+          <p:cNvPr id="12" name="Rectangle 11"/>
+          <p:cNvSpPr/>
+          <p:nvPr/>
+        </p:nvSpPr>
+        <p:spPr>
+          <a:xfrm>
+            <a:off x="617290" y="2573202"/>
+            <a:ext cx="953027" cy="281965"/>
+          </a:xfrm>
+          <a:prstGeom prst="rect">
+            <a:avLst/>
+          </a:prstGeom>
+          <a:noFill/>
+          <a:ln w="38100">
+            <a:solidFill>
+              <a:srgbClr val="FF0000"/>
+            </a:solidFill>
+          </a:ln>
+        </p:spPr>
+        <p:style>
+          <a:lnRef idx="2">
+            <a:schemeClr val="accent1">
+              <a:shade val="50000"/>
+            </a:schemeClr>
+          </a:lnRef>
+          <a:fillRef idx="1">
+            <a:schemeClr val="accent1"/>
+          </a:fillRef>
+          <a:effectRef idx="0">
+            <a:schemeClr val="accent1"/>
+          </a:effectRef>
+          <a:fontRef idx="minor">
+            <a:schemeClr val="lt1"/>
+          </a:fontRef>
+        </p:style>
+        <p:txBody>
+          <a:bodyPr rtlCol="0" anchor="ctr"/>
+          <a:lstStyle/>
+          <a:p>
+            <a:pPr algn="ctr"/>
+            <a:endParaRPr lang="en-US"/>
+          </a:p>
+        </p:txBody>
+      </p:sp>
+      <p:sp>
+        <p:nvSpPr>
+          <p:cNvPr id="13" name="Left Arrow 12"/>
+          <p:cNvSpPr/>
+          <p:nvPr/>
+        </p:nvSpPr>
+        <p:spPr>
+          <a:xfrm rot="4853970">
+            <a:off x="-83296" y="4183721"/>
+            <a:ext cx="2966114" cy="322712"/>
+          </a:xfrm>
+          <a:prstGeom prst="leftArrow">
+            <a:avLst/>
+          </a:prstGeom>
+        </p:spPr>
+        <p:style>
+          <a:lnRef idx="2">
+            <a:schemeClr val="accent4">
+              <a:shade val="50000"/>
+            </a:schemeClr>
+          </a:lnRef>
+          <a:fillRef idx="1">
+            <a:schemeClr val="accent4"/>
+          </a:fillRef>
+          <a:effectRef idx="0">
+            <a:schemeClr val="accent4"/>
+          </a:effectRef>
+          <a:fontRef idx="minor">
+            <a:schemeClr val="lt1"/>
+          </a:fontRef>
+        </p:style>
+        <p:txBody>
+          <a:bodyPr rtlCol="0" anchor="ctr"/>
+          <a:lstStyle/>
+          <a:p>
+            <a:pPr algn="ctr"/>
+            <a:endParaRPr lang="en-US"/>
+          </a:p>
+        </p:txBody>
+      </p:sp>
+      <p:sp>
+        <p:nvSpPr>
+          <p:cNvPr id="17" name="Left Arrow 16"/>
+          <p:cNvSpPr/>
+          <p:nvPr/>
+        </p:nvSpPr>
+        <p:spPr>
+          <a:xfrm rot="11440005">
+            <a:off x="3035822" y="5454612"/>
+            <a:ext cx="4490811" cy="288172"/>
+          </a:xfrm>
+          <a:prstGeom prst="leftArrow">
+            <a:avLst/>
+          </a:prstGeom>
+        </p:spPr>
+        <p:style>
+          <a:lnRef idx="2">
+            <a:schemeClr val="accent4">
+              <a:shade val="50000"/>
+            </a:schemeClr>
+          </a:lnRef>
+          <a:fillRef idx="1">
+            <a:schemeClr val="accent4"/>
+          </a:fillRef>
+          <a:effectRef idx="0">
+            <a:schemeClr val="accent4"/>
+          </a:effectRef>
+          <a:fontRef idx="minor">
+            <a:schemeClr val="lt1"/>
+          </a:fontRef>
+        </p:style>
+        <p:txBody>
+          <a:bodyPr rtlCol="0" anchor="ctr"/>
+          <a:lstStyle/>
+          <a:p>
+            <a:pPr algn="ctr"/>
+            <a:endParaRPr lang="en-US"/>
+          </a:p>
+        </p:txBody>
+      </p:sp>
+      <p:sp>
+        <p:nvSpPr>
+          <p:cNvPr id="14" name="Rounded Rectangle 13"/>
+          <p:cNvSpPr/>
+          <p:nvPr/>
+        </p:nvSpPr>
+        <p:spPr>
+          <a:xfrm>
+            <a:off x="543792" y="4436477"/>
+            <a:ext cx="2838730" cy="1556552"/>
+          </a:xfrm>
+          <a:prstGeom prst="roundRect">
+            <a:avLst/>
+          </a:prstGeom>
+          <a:ln>
+            <a:noFill/>
+          </a:ln>
+        </p:spPr>
+        <p:style>
+          <a:lnRef idx="2">
+            <a:schemeClr val="accent4">
+              <a:shade val="50000"/>
+            </a:schemeClr>
+          </a:lnRef>
+          <a:fillRef idx="1">
+            <a:schemeClr val="accent4"/>
+          </a:fillRef>
+          <a:effectRef idx="0">
+            <a:schemeClr val="accent4"/>
+          </a:effectRef>
+          <a:fontRef idx="minor">
+            <a:schemeClr val="lt1"/>
+          </a:fontRef>
+        </p:style>
+        <p:txBody>
+          <a:bodyPr rtlCol="0" anchor="ctr"/>
+          <a:lstStyle/>
+          <a:p>
+            <a:pPr algn="ctr"/>
+            <a:endParaRPr lang="en-US"/>
+          </a:p>
+        </p:txBody>
+      </p:sp>
+      <p:sp>
+        <p:nvSpPr>
+          <p:cNvPr id="15" name="TextBox 14"/>
+          <p:cNvSpPr txBox="1"/>
+          <p:nvPr/>
+        </p:nvSpPr>
+        <p:spPr>
+          <a:xfrm>
+            <a:off x="611767" y="4515700"/>
+            <a:ext cx="2675574" cy="1477328"/>
+          </a:xfrm>
+          <a:prstGeom prst="rect">
+            <a:avLst/>
+          </a:prstGeom>
+          <a:noFill/>
+        </p:spPr>
+        <p:txBody>
+          <a:bodyPr wrap="square" rtlCol="0">
+            <a:spAutoFit/>
+          </a:bodyPr>
+          <a:lstStyle/>
+          <a:p>
+            <a:r>
+              <a:rPr lang="en-US" dirty="0" smtClean="0"/>
+              <a:t>Click “Load unpacked” then in the pop-up window, navigate to the extracted folder and click “Select Folder”.</a:t>
+            </a:r>
+            <a:endParaRPr lang="en-US" dirty="0"/>
+          </a:p>
+        </p:txBody>
+      </p:sp>
+      <p:sp>
+        <p:nvSpPr>
+          <p:cNvPr id="16" name="Rectangle 15"/>
+          <p:cNvSpPr/>
+          <p:nvPr/>
+        </p:nvSpPr>
+        <p:spPr>
+          <a:xfrm>
+            <a:off x="7616791" y="5929688"/>
+            <a:ext cx="727788" cy="186611"/>
+          </a:xfrm>
+          <a:prstGeom prst="rect">
+            <a:avLst/>
+          </a:prstGeom>
+          <a:noFill/>
+          <a:ln w="38100">
+            <a:solidFill>
+              <a:srgbClr val="FF0000"/>
+            </a:solidFill>
+          </a:ln>
+        </p:spPr>
+        <p:style>
+          <a:lnRef idx="2">
+            <a:schemeClr val="accent1">
+              <a:shade val="50000"/>
+            </a:schemeClr>
+          </a:lnRef>
+          <a:fillRef idx="1">
+            <a:schemeClr val="accent1"/>
+          </a:fillRef>
+          <a:effectRef idx="0">
+            <a:schemeClr val="accent1"/>
+          </a:effectRef>
+          <a:fontRef idx="minor">
+            <a:schemeClr val="lt1"/>
+          </a:fontRef>
+        </p:style>
+        <p:txBody>
+          <a:bodyPr rtlCol="0" anchor="ctr"/>
+          <a:lstStyle/>
+          <a:p>
+            <a:pPr algn="ctr"/>
+            <a:endParaRPr lang="en-US"/>
+          </a:p>
+        </p:txBody>
+      </p:sp>
+    </p:spTree>
+    <p:extLst>
+      <p:ext uri="{BB962C8B-B14F-4D97-AF65-F5344CB8AC3E}">
+        <p14:creationId xmlns:p14="http://schemas.microsoft.com/office/powerpoint/2010/main" val="2477954288"/>
+      </p:ext>
+    </p:extLst>
+  </p:cSld>
+  <p:clrMapOvr>
+    <a:masterClrMapping/>
+  </p:clrMapOvr>
+</p:sld>
+</file>
+
+<file path=ppt/slides/slide9.xml><?xml version="1.0" encoding="utf-8"?>
+<p:sld xmlns:a="http://schemas.openxmlformats.org/drawingml/2006/main" xmlns:r="http://schemas.openxmlformats.org/officeDocument/2006/relationships" xmlns:p="http://schemas.openxmlformats.org/presentationml/2006/main">
+  <p:cSld>
+    <p:spTree>
+      <p:nvGrpSpPr>
+        <p:cNvPr id="1" name=""/>
+        <p:cNvGrpSpPr/>
+        <p:nvPr/>
+      </p:nvGrpSpPr>
+      <p:grpSpPr>
+        <a:xfrm>
+          <a:off x="0" y="0"/>
+          <a:ext cx="0" cy="0"/>
+          <a:chOff x="0" y="0"/>
+          <a:chExt cx="0" cy="0"/>
+        </a:xfrm>
+      </p:grpSpPr>
+      <p:pic>
+        <p:nvPicPr>
+          <p:cNvPr id="4" name="Picture 3"/>
+          <p:cNvPicPr>
+            <a:picLocks noChangeAspect="1"/>
+          </p:cNvPicPr>
+          <p:nvPr/>
+        </p:nvPicPr>
+        <p:blipFill>
+          <a:blip r:embed="rId2"/>
+          <a:stretch>
+            <a:fillRect/>
+          </a:stretch>
+        </p:blipFill>
+        <p:spPr>
+          <a:xfrm>
+            <a:off x="1847257" y="1750716"/>
+            <a:ext cx="4248743" cy="2648320"/>
+          </a:xfrm>
+          <a:prstGeom prst="rect">
+            <a:avLst/>
+          </a:prstGeom>
+        </p:spPr>
+      </p:pic>
+      <p:sp>
+        <p:nvSpPr>
+          <p:cNvPr id="2" name="Title 1"/>
+          <p:cNvSpPr>
+            <a:spLocks noGrp="1"/>
+          </p:cNvSpPr>
+          <p:nvPr>
+            <p:ph type="title"/>
+          </p:nvPr>
+        </p:nvSpPr>
+        <p:spPr/>
+        <p:txBody>
+          <a:bodyPr/>
+          <a:lstStyle/>
+          <a:p>
+            <a:r>
+              <a:rPr lang="en-US" dirty="0" smtClean="0"/>
+              <a:t>Installing the Chrome </a:t>
+            </a:r>
+            <a:r>
+              <a:rPr lang="en-US" dirty="0" smtClean="0"/>
+              <a:t>Extension Manually</a:t>
+            </a:r>
+            <a:endParaRPr lang="en-US" dirty="0"/>
+          </a:p>
+        </p:txBody>
+      </p:sp>
+      <p:sp>
+        <p:nvSpPr>
+          <p:cNvPr id="13" name="Left Arrow 12"/>
+          <p:cNvSpPr/>
+          <p:nvPr/>
+        </p:nvSpPr>
+        <p:spPr>
+          <a:xfrm>
+            <a:off x="6044226" y="3966956"/>
+            <a:ext cx="2966114" cy="322712"/>
+          </a:xfrm>
+          <a:prstGeom prst="leftArrow">
+            <a:avLst/>
+          </a:prstGeom>
+        </p:spPr>
+        <p:style>
+          <a:lnRef idx="2">
+            <a:schemeClr val="accent4">
+              <a:shade val="50000"/>
+            </a:schemeClr>
+          </a:lnRef>
+          <a:fillRef idx="1">
+            <a:schemeClr val="accent4"/>
+          </a:fillRef>
+          <a:effectRef idx="0">
+            <a:schemeClr val="accent4"/>
+          </a:effectRef>
+          <a:fontRef idx="minor">
+            <a:schemeClr val="lt1"/>
+          </a:fontRef>
+        </p:style>
+        <p:txBody>
+          <a:bodyPr rtlCol="0" anchor="ctr"/>
+          <a:lstStyle/>
+          <a:p>
+            <a:pPr algn="ctr"/>
+            <a:endParaRPr lang="en-US"/>
+          </a:p>
+        </p:txBody>
+      </p:sp>
+      <p:sp>
+        <p:nvSpPr>
+          <p:cNvPr id="14" name="Rounded Rectangle 13"/>
+          <p:cNvSpPr/>
+          <p:nvPr/>
+        </p:nvSpPr>
+        <p:spPr>
+          <a:xfrm>
+            <a:off x="7374935" y="3671649"/>
+            <a:ext cx="2918034" cy="1002988"/>
+          </a:xfrm>
+          <a:prstGeom prst="roundRect">
+            <a:avLst/>
+          </a:prstGeom>
+          <a:ln>
+            <a:noFill/>
+          </a:ln>
+        </p:spPr>
+        <p:style>
+          <a:lnRef idx="2">
+            <a:schemeClr val="accent4">
+              <a:shade val="50000"/>
+            </a:schemeClr>
+          </a:lnRef>
+          <a:fillRef idx="1">
+            <a:schemeClr val="accent4"/>
+          </a:fillRef>
+          <a:effectRef idx="0">
+            <a:schemeClr val="accent4"/>
+          </a:effectRef>
+          <a:fontRef idx="minor">
+            <a:schemeClr val="lt1"/>
+          </a:fontRef>
+        </p:style>
+        <p:txBody>
+          <a:bodyPr rtlCol="0" anchor="ctr"/>
+          <a:lstStyle/>
+          <a:p>
+            <a:pPr algn="ctr"/>
+            <a:endParaRPr lang="en-US"/>
+          </a:p>
+        </p:txBody>
+      </p:sp>
+      <p:sp>
+        <p:nvSpPr>
+          <p:cNvPr id="15" name="TextBox 14"/>
+          <p:cNvSpPr txBox="1"/>
+          <p:nvPr/>
+        </p:nvSpPr>
+        <p:spPr>
+          <a:xfrm>
+            <a:off x="7538091" y="3671649"/>
+            <a:ext cx="2675574" cy="923330"/>
+          </a:xfrm>
+          <a:prstGeom prst="rect">
+            <a:avLst/>
+          </a:prstGeom>
+          <a:noFill/>
+        </p:spPr>
+        <p:txBody>
+          <a:bodyPr wrap="square" rtlCol="0">
+            <a:spAutoFit/>
+          </a:bodyPr>
+          <a:lstStyle/>
+          <a:p>
+            <a:r>
+              <a:rPr lang="en-US" dirty="0" smtClean="0"/>
+              <a:t>Make sure that this slider button is blue like the one shown here.</a:t>
+            </a:r>
+            <a:endParaRPr lang="en-US" dirty="0"/>
+          </a:p>
+        </p:txBody>
+      </p:sp>
+      <p:sp>
+        <p:nvSpPr>
+          <p:cNvPr id="16" name="Rectangle 15"/>
+          <p:cNvSpPr/>
+          <p:nvPr/>
+        </p:nvSpPr>
+        <p:spPr>
+          <a:xfrm>
+            <a:off x="5531743" y="3983204"/>
+            <a:ext cx="444508" cy="290217"/>
+          </a:xfrm>
+          <a:prstGeom prst="rect">
+            <a:avLst/>
+          </a:prstGeom>
+          <a:noFill/>
+          <a:ln w="38100">
+            <a:solidFill>
+              <a:srgbClr val="FF0000"/>
+            </a:solidFill>
+          </a:ln>
+        </p:spPr>
+        <p:style>
+          <a:lnRef idx="2">
+            <a:schemeClr val="accent1">
+              <a:shade val="50000"/>
+            </a:schemeClr>
+          </a:lnRef>
+          <a:fillRef idx="1">
+            <a:schemeClr val="accent1"/>
+          </a:fillRef>
+          <a:effectRef idx="0">
+            <a:schemeClr val="accent1"/>
+          </a:effectRef>
+          <a:fontRef idx="minor">
+            <a:schemeClr val="lt1"/>
+          </a:fontRef>
+        </p:style>
+        <p:txBody>
+          <a:bodyPr rtlCol="0" anchor="ctr"/>
+          <a:lstStyle/>
+          <a:p>
+            <a:pPr algn="ctr"/>
+            <a:endParaRPr lang="en-US"/>
+          </a:p>
+        </p:txBody>
+      </p:sp>
+      <p:sp>
+        <p:nvSpPr>
+          <p:cNvPr id="5" name="TextBox 4"/>
+          <p:cNvSpPr txBox="1"/>
+          <p:nvPr/>
+        </p:nvSpPr>
+        <p:spPr>
+          <a:xfrm>
+            <a:off x="4435151" y="5617029"/>
+            <a:ext cx="3321698" cy="369332"/>
+          </a:xfrm>
+          <a:prstGeom prst="rect">
+            <a:avLst/>
+          </a:prstGeom>
+          <a:noFill/>
+        </p:spPr>
+        <p:txBody>
+          <a:bodyPr wrap="square" rtlCol="0">
+            <a:spAutoFit/>
+          </a:bodyPr>
+          <a:lstStyle/>
+          <a:p>
+            <a:r>
+              <a:rPr lang="en-US" dirty="0" smtClean="0"/>
+              <a:t>Now the installation is complete.</a:t>
+            </a:r>
+            <a:endParaRPr lang="en-US" dirty="0"/>
+          </a:p>
+        </p:txBody>
+      </p:sp>
+    </p:spTree>
+    <p:extLst>
+      <p:ext uri="{BB962C8B-B14F-4D97-AF65-F5344CB8AC3E}">
+        <p14:creationId xmlns:p14="http://schemas.microsoft.com/office/powerpoint/2010/main" val="2621520183"/>
       </p:ext>
     </p:extLst>
   </p:cSld>

--- a/README.pptx
+++ b/README.pptx
@@ -3217,19 +3217,35 @@
             </a:r>
             <a:r>
               <a:rPr lang="en-US" b="1" dirty="0" err="1" smtClean="0"/>
-              <a:t>ctrl+c</a:t>
+              <a:t>C</a:t>
+            </a:r>
+            <a:r>
+              <a:rPr lang="en-US" b="1" dirty="0" err="1" smtClean="0"/>
+              <a:t>trl+C</a:t>
             </a:r>
             <a:r>
               <a:rPr lang="en-US" dirty="0" smtClean="0"/>
-              <a:t> (win) or </a:t>
+              <a:t> </a:t>
+            </a:r>
+            <a:r>
+              <a:rPr lang="en-US" dirty="0" smtClean="0"/>
+              <a:t>(win) or </a:t>
             </a:r>
             <a:r>
               <a:rPr lang="en-US" b="1" dirty="0" err="1" smtClean="0"/>
-              <a:t>command+c</a:t>
+              <a:t>C</a:t>
+            </a:r>
+            <a:r>
+              <a:rPr lang="en-US" b="1" dirty="0" err="1" smtClean="0"/>
+              <a:t>ommand+C</a:t>
             </a:r>
             <a:r>
               <a:rPr lang="en-US" dirty="0" smtClean="0"/>
-              <a:t> (mac).</a:t>
+              <a:t> </a:t>
+            </a:r>
+            <a:r>
+              <a:rPr lang="en-US" dirty="0" smtClean="0"/>
+              <a:t>(mac).</a:t>
             </a:r>
             <a:endParaRPr lang="en-US" dirty="0"/>
           </a:p>
@@ -3309,19 +3325,35 @@
             </a:r>
             <a:r>
               <a:rPr lang="en-US" b="1" dirty="0" err="1" smtClean="0"/>
-              <a:t>ctrl+c+b</a:t>
+              <a:t>C</a:t>
+            </a:r>
+            <a:r>
+              <a:rPr lang="en-US" b="1" dirty="0" err="1" smtClean="0"/>
+              <a:t>trl+Shift+B</a:t>
             </a:r>
             <a:r>
               <a:rPr lang="en-US" dirty="0" smtClean="0"/>
-              <a:t> (win) or </a:t>
+              <a:t> </a:t>
+            </a:r>
+            <a:r>
+              <a:rPr lang="en-US" dirty="0" smtClean="0"/>
+              <a:t>(win) or </a:t>
             </a:r>
             <a:r>
               <a:rPr lang="en-US" b="1" dirty="0" err="1" smtClean="0"/>
-              <a:t>command+c+b</a:t>
+              <a:t>C</a:t>
+            </a:r>
+            <a:r>
+              <a:rPr lang="en-US" b="1" dirty="0" err="1" smtClean="0"/>
+              <a:t>ommand+Shift+B</a:t>
             </a:r>
             <a:r>
               <a:rPr lang="en-US" dirty="0" smtClean="0"/>
-              <a:t> (mac) to reformat the copied data in a way that the request registration table accepts.</a:t>
+              <a:t> </a:t>
+            </a:r>
+            <a:r>
+              <a:rPr lang="en-US" dirty="0" smtClean="0"/>
+              <a:t>(mac) to reformat the copied data in a way that the request registration table accepts.</a:t>
             </a:r>
             <a:endParaRPr lang="en-US" dirty="0"/>
           </a:p>
@@ -3521,19 +3553,35 @@
             </a:r>
             <a:r>
               <a:rPr lang="en-US" b="1" dirty="0" err="1" smtClean="0"/>
-              <a:t>ctrl+v</a:t>
+              <a:t>C</a:t>
+            </a:r>
+            <a:r>
+              <a:rPr lang="en-US" b="1" dirty="0" err="1" smtClean="0"/>
+              <a:t>trl+V</a:t>
             </a:r>
             <a:r>
               <a:rPr lang="en-US" dirty="0" smtClean="0"/>
-              <a:t> (win) or </a:t>
+              <a:t> </a:t>
+            </a:r>
+            <a:r>
+              <a:rPr lang="en-US" dirty="0" smtClean="0"/>
+              <a:t>(win) or </a:t>
+            </a:r>
+            <a:r>
+              <a:rPr lang="en-US" b="1" dirty="0" err="1"/>
+              <a:t>C</a:t>
             </a:r>
             <a:r>
               <a:rPr lang="en-US" b="1" dirty="0" err="1" smtClean="0"/>
-              <a:t>command+v</a:t>
+              <a:t>ommand+V</a:t>
             </a:r>
             <a:r>
               <a:rPr lang="en-US" dirty="0" smtClean="0"/>
-              <a:t> (mac).</a:t>
+              <a:t> </a:t>
+            </a:r>
+            <a:r>
+              <a:rPr lang="en-US" dirty="0" smtClean="0"/>
+              <a:t>(mac).</a:t>
             </a:r>
             <a:endParaRPr lang="en-US" dirty="0"/>
           </a:p>
@@ -3763,7 +3811,6 @@
               <a:rPr lang="en-US" dirty="0"/>
               <a:t>Extension Manually</a:t>
             </a:r>
-            <a:endParaRPr lang="en-US" dirty="0"/>
           </a:p>
         </p:txBody>
       </p:sp>
@@ -4037,7 +4084,6 @@
               <a:rPr lang="en-US" dirty="0"/>
               <a:t>Extension Manually</a:t>
             </a:r>
-            <a:endParaRPr lang="en-US" dirty="0"/>
           </a:p>
         </p:txBody>
       </p:sp>
@@ -4357,11 +4403,7 @@
           <a:p>
             <a:r>
               <a:rPr lang="en-US" dirty="0" smtClean="0"/>
-              <a:t>Installing the Chrome </a:t>
-            </a:r>
-            <a:r>
-              <a:rPr lang="en-US" dirty="0" smtClean="0"/>
-              <a:t>Extension Manually</a:t>
+              <a:t>Installing the Chrome Extension Manually</a:t>
             </a:r>
             <a:endParaRPr lang="en-US" dirty="0"/>
           </a:p>
@@ -4780,11 +4822,7 @@
           <a:p>
             <a:r>
               <a:rPr lang="en-US" dirty="0" smtClean="0"/>
-              <a:t>Installing the Chrome </a:t>
-            </a:r>
-            <a:r>
-              <a:rPr lang="en-US" dirty="0" smtClean="0"/>
-              <a:t>Extension Manually</a:t>
+              <a:t>Installing the Chrome Extension Manually</a:t>
             </a:r>
             <a:endParaRPr lang="en-US" dirty="0"/>
           </a:p>
@@ -5106,11 +5144,7 @@
           <a:p>
             <a:r>
               <a:rPr lang="en-US" dirty="0" smtClean="0"/>
-              <a:t>Installing the Chrome </a:t>
-            </a:r>
-            <a:r>
-              <a:rPr lang="en-US" dirty="0" smtClean="0"/>
-              <a:t>Extension Manually</a:t>
+              <a:t>Installing the Chrome Extension Manually</a:t>
             </a:r>
             <a:endParaRPr lang="en-US" dirty="0"/>
           </a:p>
@@ -5442,11 +5476,7 @@
           <a:p>
             <a:r>
               <a:rPr lang="en-US" dirty="0" smtClean="0"/>
-              <a:t>Installing the Chrome </a:t>
-            </a:r>
-            <a:r>
-              <a:rPr lang="en-US" dirty="0" smtClean="0"/>
-              <a:t>Extension Manually</a:t>
+              <a:t>Installing the Chrome Extension Manually</a:t>
             </a:r>
             <a:endParaRPr lang="en-US" dirty="0"/>
           </a:p>
@@ -5768,11 +5798,7 @@
           <a:p>
             <a:r>
               <a:rPr lang="en-US" dirty="0" smtClean="0"/>
-              <a:t>Installing the Chrome </a:t>
-            </a:r>
-            <a:r>
-              <a:rPr lang="en-US" dirty="0" smtClean="0"/>
-              <a:t>Extension Manually</a:t>
+              <a:t>Installing the Chrome Extension Manually</a:t>
             </a:r>
             <a:endParaRPr lang="en-US" dirty="0"/>
           </a:p>
